--- a/AN_WBHT/AN_WBHT_Caravel_WB_Hold_Time.pptx
+++ b/AN_WBHT/AN_WBHT_Caravel_WB_Hold_Time.pptx
@@ -9,6 +9,7 @@
     <p:sldId id="257" r:id="rId3"/>
     <p:sldId id="259" r:id="rId4"/>
     <p:sldId id="258" r:id="rId5"/>
+    <p:sldId id="260" r:id="rId6"/>
   </p:sldIdLst>
   <p:sldSz cx="12192000" cy="6858000"/>
   <p:notesSz cx="6858000" cy="9144000"/>
@@ -264,7 +265,7 @@
           <a:p>
             <a:fld id="{67FA033D-9DA3-4B65-8776-DD0C5D09BAC5}" type="datetimeFigureOut">
               <a:rPr lang="en-US" smtClean="0"/>
-              <a:t>9/15/2022</a:t>
+              <a:t>12/28/2022</a:t>
             </a:fld>
             <a:endParaRPr lang="en-US"/>
           </a:p>
@@ -464,7 +465,7 @@
           <a:p>
             <a:fld id="{67FA033D-9DA3-4B65-8776-DD0C5D09BAC5}" type="datetimeFigureOut">
               <a:rPr lang="en-US" smtClean="0"/>
-              <a:t>9/15/2022</a:t>
+              <a:t>12/28/2022</a:t>
             </a:fld>
             <a:endParaRPr lang="en-US"/>
           </a:p>
@@ -674,7 +675,7 @@
           <a:p>
             <a:fld id="{67FA033D-9DA3-4B65-8776-DD0C5D09BAC5}" type="datetimeFigureOut">
               <a:rPr lang="en-US" smtClean="0"/>
-              <a:t>9/15/2022</a:t>
+              <a:t>12/28/2022</a:t>
             </a:fld>
             <a:endParaRPr lang="en-US"/>
           </a:p>
@@ -874,7 +875,7 @@
           <a:p>
             <a:fld id="{67FA033D-9DA3-4B65-8776-DD0C5D09BAC5}" type="datetimeFigureOut">
               <a:rPr lang="en-US" smtClean="0"/>
-              <a:t>9/15/2022</a:t>
+              <a:t>12/28/2022</a:t>
             </a:fld>
             <a:endParaRPr lang="en-US"/>
           </a:p>
@@ -1150,7 +1151,7 @@
           <a:p>
             <a:fld id="{67FA033D-9DA3-4B65-8776-DD0C5D09BAC5}" type="datetimeFigureOut">
               <a:rPr lang="en-US" smtClean="0"/>
-              <a:t>9/15/2022</a:t>
+              <a:t>12/28/2022</a:t>
             </a:fld>
             <a:endParaRPr lang="en-US"/>
           </a:p>
@@ -1418,7 +1419,7 @@
           <a:p>
             <a:fld id="{67FA033D-9DA3-4B65-8776-DD0C5D09BAC5}" type="datetimeFigureOut">
               <a:rPr lang="en-US" smtClean="0"/>
-              <a:t>9/15/2022</a:t>
+              <a:t>12/28/2022</a:t>
             </a:fld>
             <a:endParaRPr lang="en-US"/>
           </a:p>
@@ -1833,7 +1834,7 @@
           <a:p>
             <a:fld id="{67FA033D-9DA3-4B65-8776-DD0C5D09BAC5}" type="datetimeFigureOut">
               <a:rPr lang="en-US" smtClean="0"/>
-              <a:t>9/15/2022</a:t>
+              <a:t>12/28/2022</a:t>
             </a:fld>
             <a:endParaRPr lang="en-US"/>
           </a:p>
@@ -1975,7 +1976,7 @@
           <a:p>
             <a:fld id="{67FA033D-9DA3-4B65-8776-DD0C5D09BAC5}" type="datetimeFigureOut">
               <a:rPr lang="en-US" smtClean="0"/>
-              <a:t>9/15/2022</a:t>
+              <a:t>12/28/2022</a:t>
             </a:fld>
             <a:endParaRPr lang="en-US"/>
           </a:p>
@@ -2088,7 +2089,7 @@
           <a:p>
             <a:fld id="{67FA033D-9DA3-4B65-8776-DD0C5D09BAC5}" type="datetimeFigureOut">
               <a:rPr lang="en-US" smtClean="0"/>
-              <a:t>9/15/2022</a:t>
+              <a:t>12/28/2022</a:t>
             </a:fld>
             <a:endParaRPr lang="en-US"/>
           </a:p>
@@ -2401,7 +2402,7 @@
           <a:p>
             <a:fld id="{67FA033D-9DA3-4B65-8776-DD0C5D09BAC5}" type="datetimeFigureOut">
               <a:rPr lang="en-US" smtClean="0"/>
-              <a:t>9/15/2022</a:t>
+              <a:t>12/28/2022</a:t>
             </a:fld>
             <a:endParaRPr lang="en-US"/>
           </a:p>
@@ -2690,7 +2691,7 @@
           <a:p>
             <a:fld id="{67FA033D-9DA3-4B65-8776-DD0C5D09BAC5}" type="datetimeFigureOut">
               <a:rPr lang="en-US" smtClean="0"/>
-              <a:t>9/15/2022</a:t>
+              <a:t>12/28/2022</a:t>
             </a:fld>
             <a:endParaRPr lang="en-US"/>
           </a:p>
@@ -2933,7 +2934,7 @@
           <a:p>
             <a:fld id="{67FA033D-9DA3-4B65-8776-DD0C5D09BAC5}" type="datetimeFigureOut">
               <a:rPr lang="en-US" smtClean="0"/>
-              <a:t>9/15/2022</a:t>
+              <a:t>12/28/2022</a:t>
             </a:fld>
             <a:endParaRPr lang="en-US"/>
           </a:p>
@@ -7270,12 +7271,66 @@
           <a:chExt cx="0" cy="0"/>
         </a:xfrm>
       </p:grpSpPr>
+      <p:sp>
+        <p:nvSpPr>
+          <p:cNvPr id="6" name="Rechteck 5">
+            <a:extLst>
+              <a:ext uri="{FF2B5EF4-FFF2-40B4-BE49-F238E27FC236}">
+                <a16:creationId xmlns:a16="http://schemas.microsoft.com/office/drawing/2014/main" id="{8FB9D2A7-CD9A-F27C-E14E-7899C9940182}"/>
+              </a:ext>
+            </a:extLst>
+          </p:cNvPr>
+          <p:cNvSpPr/>
+          <p:nvPr/>
+        </p:nvSpPr>
+        <p:spPr>
+          <a:xfrm>
+            <a:off x="2179178" y="938784"/>
+            <a:ext cx="7013590" cy="3352800"/>
+          </a:xfrm>
+          <a:prstGeom prst="rect">
+            <a:avLst/>
+          </a:prstGeom>
+          <a:solidFill>
+            <a:schemeClr val="bg1"/>
+          </a:solidFill>
+          <a:ln>
+            <a:solidFill>
+              <a:schemeClr val="bg1"/>
+            </a:solidFill>
+          </a:ln>
+        </p:spPr>
+        <p:style>
+          <a:lnRef idx="2">
+            <a:schemeClr val="accent1">
+              <a:shade val="50000"/>
+            </a:schemeClr>
+          </a:lnRef>
+          <a:fillRef idx="1">
+            <a:schemeClr val="accent1"/>
+          </a:fillRef>
+          <a:effectRef idx="0">
+            <a:schemeClr val="accent1"/>
+          </a:effectRef>
+          <a:fontRef idx="minor">
+            <a:schemeClr val="lt1"/>
+          </a:fontRef>
+        </p:style>
+        <p:txBody>
+          <a:bodyPr rtlCol="0" anchor="ctr"/>
+          <a:lstStyle/>
+          <a:p>
+            <a:pPr algn="ctr"/>
+            <a:endParaRPr lang="en-US"/>
+          </a:p>
+        </p:txBody>
+      </p:sp>
       <p:grpSp>
         <p:nvGrpSpPr>
-          <p:cNvPr id="19" name="Gruppieren 18">
+          <p:cNvPr id="2" name="Gruppieren 1">
             <a:extLst>
               <a:ext uri="{FF2B5EF4-FFF2-40B4-BE49-F238E27FC236}">
-                <a16:creationId xmlns:a16="http://schemas.microsoft.com/office/drawing/2014/main" id="{C52DEC67-C811-D43F-DD3C-BFD22C811168}"/>
+                <a16:creationId xmlns:a16="http://schemas.microsoft.com/office/drawing/2014/main" id="{727ED7F7-6ED6-7844-7191-F61C9E1CB1D2}"/>
               </a:ext>
             </a:extLst>
           </p:cNvPr>
@@ -7284,18 +7339,18 @@
         </p:nvGrpSpPr>
         <p:grpSpPr>
           <a:xfrm>
-            <a:off x="2179178" y="938784"/>
-            <a:ext cx="7013590" cy="3352800"/>
-            <a:chOff x="2179178" y="938784"/>
-            <a:chExt cx="7013590" cy="3352800"/>
+            <a:off x="3945234" y="1653862"/>
+            <a:ext cx="386949" cy="649229"/>
+            <a:chOff x="3945234" y="1653862"/>
+            <a:chExt cx="386949" cy="649229"/>
           </a:xfrm>
         </p:grpSpPr>
         <p:sp>
           <p:nvSpPr>
-            <p:cNvPr id="6" name="Rechteck 5">
+            <p:cNvPr id="28" name="Rechteck 27">
               <a:extLst>
                 <a:ext uri="{FF2B5EF4-FFF2-40B4-BE49-F238E27FC236}">
-                  <a16:creationId xmlns:a16="http://schemas.microsoft.com/office/drawing/2014/main" id="{8FB9D2A7-CD9A-F27C-E14E-7899C9940182}"/>
+                  <a16:creationId xmlns:a16="http://schemas.microsoft.com/office/drawing/2014/main" id="{5201B0AE-E3A1-FF19-BCAF-7BD4698976B6}"/>
                 </a:ext>
               </a:extLst>
             </p:cNvPr>
@@ -7304,18 +7359,18 @@
           </p:nvSpPr>
           <p:spPr>
             <a:xfrm>
-              <a:off x="2179178" y="938784"/>
-              <a:ext cx="7013590" cy="3352800"/>
+              <a:off x="3945234" y="1653862"/>
+              <a:ext cx="356681" cy="622570"/>
             </a:xfrm>
             <a:prstGeom prst="rect">
               <a:avLst/>
             </a:prstGeom>
             <a:solidFill>
-              <a:schemeClr val="bg1"/>
+              <a:srgbClr val="FFFF00"/>
             </a:solidFill>
             <a:ln>
               <a:solidFill>
-                <a:schemeClr val="bg1"/>
+                <a:schemeClr val="tx1"/>
               </a:solidFill>
             </a:ln>
           </p:spPr>
@@ -7340,299 +7395,16 @@
             <a:lstStyle/>
             <a:p>
               <a:pPr algn="ctr"/>
-              <a:endParaRPr lang="en-US"/>
+              <a:endParaRPr lang="en-US" dirty="0"/>
             </a:p>
           </p:txBody>
         </p:sp>
-        <p:grpSp>
-          <p:nvGrpSpPr>
-            <p:cNvPr id="2" name="Gruppieren 1">
+        <p:cxnSp>
+          <p:nvCxnSpPr>
+            <p:cNvPr id="29" name="Gerader Verbinder 28">
               <a:extLst>
                 <a:ext uri="{FF2B5EF4-FFF2-40B4-BE49-F238E27FC236}">
-                  <a16:creationId xmlns:a16="http://schemas.microsoft.com/office/drawing/2014/main" id="{727ED7F7-6ED6-7844-7191-F61C9E1CB1D2}"/>
-                </a:ext>
-              </a:extLst>
-            </p:cNvPr>
-            <p:cNvGrpSpPr/>
-            <p:nvPr/>
-          </p:nvGrpSpPr>
-          <p:grpSpPr>
-            <a:xfrm>
-              <a:off x="3945234" y="1653862"/>
-              <a:ext cx="386949" cy="649229"/>
-              <a:chOff x="3945234" y="1653862"/>
-              <a:chExt cx="386949" cy="649229"/>
-            </a:xfrm>
-          </p:grpSpPr>
-          <p:sp>
-            <p:nvSpPr>
-              <p:cNvPr id="28" name="Rechteck 27">
-                <a:extLst>
-                  <a:ext uri="{FF2B5EF4-FFF2-40B4-BE49-F238E27FC236}">
-                    <a16:creationId xmlns:a16="http://schemas.microsoft.com/office/drawing/2014/main" id="{5201B0AE-E3A1-FF19-BCAF-7BD4698976B6}"/>
-                  </a:ext>
-                </a:extLst>
-              </p:cNvPr>
-              <p:cNvSpPr/>
-              <p:nvPr/>
-            </p:nvSpPr>
-            <p:spPr>
-              <a:xfrm>
-                <a:off x="3945234" y="1653862"/>
-                <a:ext cx="356681" cy="622570"/>
-              </a:xfrm>
-              <a:prstGeom prst="rect">
-                <a:avLst/>
-              </a:prstGeom>
-              <a:solidFill>
-                <a:srgbClr val="FFFF00"/>
-              </a:solidFill>
-              <a:ln>
-                <a:solidFill>
-                  <a:schemeClr val="tx1"/>
-                </a:solidFill>
-              </a:ln>
-            </p:spPr>
-            <p:style>
-              <a:lnRef idx="2">
-                <a:schemeClr val="accent1">
-                  <a:shade val="50000"/>
-                </a:schemeClr>
-              </a:lnRef>
-              <a:fillRef idx="1">
-                <a:schemeClr val="accent1"/>
-              </a:fillRef>
-              <a:effectRef idx="0">
-                <a:schemeClr val="accent1"/>
-              </a:effectRef>
-              <a:fontRef idx="minor">
-                <a:schemeClr val="lt1"/>
-              </a:fontRef>
-            </p:style>
-            <p:txBody>
-              <a:bodyPr rtlCol="0" anchor="ctr"/>
-              <a:lstStyle/>
-              <a:p>
-                <a:pPr algn="ctr"/>
-                <a:endParaRPr lang="en-US" dirty="0"/>
-              </a:p>
-            </p:txBody>
-          </p:sp>
-          <p:cxnSp>
-            <p:nvCxnSpPr>
-              <p:cNvPr id="29" name="Gerader Verbinder 28">
-                <a:extLst>
-                  <a:ext uri="{FF2B5EF4-FFF2-40B4-BE49-F238E27FC236}">
-                    <a16:creationId xmlns:a16="http://schemas.microsoft.com/office/drawing/2014/main" id="{D748CC78-1BBF-AE73-CFEC-34F493BD2292}"/>
-                  </a:ext>
-                </a:extLst>
-              </p:cNvPr>
-              <p:cNvCxnSpPr/>
-              <p:nvPr/>
-            </p:nvCxnSpPr>
-            <p:spPr>
-              <a:xfrm flipV="1">
-                <a:off x="3945234" y="2152609"/>
-                <a:ext cx="165825" cy="123823"/>
-              </a:xfrm>
-              <a:prstGeom prst="line">
-                <a:avLst/>
-              </a:prstGeom>
-              <a:ln>
-                <a:solidFill>
-                  <a:schemeClr val="tx1"/>
-                </a:solidFill>
-              </a:ln>
-            </p:spPr>
-            <p:style>
-              <a:lnRef idx="1">
-                <a:schemeClr val="accent1"/>
-              </a:lnRef>
-              <a:fillRef idx="0">
-                <a:schemeClr val="accent1"/>
-              </a:fillRef>
-              <a:effectRef idx="0">
-                <a:schemeClr val="accent1"/>
-              </a:effectRef>
-              <a:fontRef idx="minor">
-                <a:schemeClr val="tx1"/>
-              </a:fontRef>
-            </p:style>
-          </p:cxnSp>
-          <p:cxnSp>
-            <p:nvCxnSpPr>
-              <p:cNvPr id="30" name="Gerader Verbinder 29">
-                <a:extLst>
-                  <a:ext uri="{FF2B5EF4-FFF2-40B4-BE49-F238E27FC236}">
-                    <a16:creationId xmlns:a16="http://schemas.microsoft.com/office/drawing/2014/main" id="{E8B3C835-5EC3-FE1D-6E1A-432B6E8C32DC}"/>
-                  </a:ext>
-                </a:extLst>
-              </p:cNvPr>
-              <p:cNvCxnSpPr>
-                <a:cxnSpLocks/>
-              </p:cNvCxnSpPr>
-              <p:nvPr/>
-            </p:nvCxnSpPr>
-            <p:spPr>
-              <a:xfrm>
-                <a:off x="3945234" y="2084242"/>
-                <a:ext cx="152400" cy="68367"/>
-              </a:xfrm>
-              <a:prstGeom prst="line">
-                <a:avLst/>
-              </a:prstGeom>
-              <a:ln>
-                <a:solidFill>
-                  <a:schemeClr val="tx1"/>
-                </a:solidFill>
-              </a:ln>
-            </p:spPr>
-            <p:style>
-              <a:lnRef idx="1">
-                <a:schemeClr val="accent1"/>
-              </a:lnRef>
-              <a:fillRef idx="0">
-                <a:schemeClr val="accent1"/>
-              </a:fillRef>
-              <a:effectRef idx="0">
-                <a:schemeClr val="accent1"/>
-              </a:effectRef>
-              <a:fontRef idx="minor">
-                <a:schemeClr val="tx1"/>
-              </a:fontRef>
-            </p:style>
-          </p:cxnSp>
-          <p:sp>
-            <p:nvSpPr>
-              <p:cNvPr id="31" name="Textfeld 30">
-                <a:extLst>
-                  <a:ext uri="{FF2B5EF4-FFF2-40B4-BE49-F238E27FC236}">
-                    <a16:creationId xmlns:a16="http://schemas.microsoft.com/office/drawing/2014/main" id="{333EF888-BCA7-ED4A-B578-BB937F9A4120}"/>
-                  </a:ext>
-                </a:extLst>
-              </p:cNvPr>
-              <p:cNvSpPr txBox="1"/>
-              <p:nvPr/>
-            </p:nvSpPr>
-            <p:spPr>
-              <a:xfrm>
-                <a:off x="4067367" y="1933759"/>
-                <a:ext cx="264816" cy="369332"/>
-              </a:xfrm>
-              <a:prstGeom prst="rect">
-                <a:avLst/>
-              </a:prstGeom>
-              <a:noFill/>
-            </p:spPr>
-            <p:txBody>
-              <a:bodyPr wrap="none" rtlCol="0">
-                <a:spAutoFit/>
-              </a:bodyPr>
-              <a:lstStyle/>
-              <a:p>
-                <a:r>
-                  <a:rPr lang="de-DE" dirty="0"/>
-                  <a:t>r</a:t>
-                </a:r>
-                <a:endParaRPr lang="en-US" dirty="0"/>
-              </a:p>
-            </p:txBody>
-          </p:sp>
-        </p:grpSp>
-        <p:cxnSp>
-          <p:nvCxnSpPr>
-            <p:cNvPr id="35" name="Gerade Verbindung mit Pfeil 34">
-              <a:extLst>
-                <a:ext uri="{FF2B5EF4-FFF2-40B4-BE49-F238E27FC236}">
-                  <a16:creationId xmlns:a16="http://schemas.microsoft.com/office/drawing/2014/main" id="{1DE578BD-D7AB-F42E-7BDA-2F2CA7EBE409}"/>
-                </a:ext>
-              </a:extLst>
-            </p:cNvPr>
-            <p:cNvCxnSpPr>
-              <a:cxnSpLocks/>
-            </p:cNvCxnSpPr>
-            <p:nvPr/>
-          </p:nvCxnSpPr>
-          <p:spPr>
-            <a:xfrm>
-              <a:off x="4317050" y="2700469"/>
-              <a:ext cx="3197481" cy="0"/>
-            </a:xfrm>
-            <a:prstGeom prst="straightConnector1">
-              <a:avLst/>
-            </a:prstGeom>
-            <a:ln>
-              <a:solidFill>
-                <a:schemeClr val="tx1"/>
-              </a:solidFill>
-              <a:tailEnd type="triangle"/>
-            </a:ln>
-          </p:spPr>
-          <p:style>
-            <a:lnRef idx="1">
-              <a:schemeClr val="accent1"/>
-            </a:lnRef>
-            <a:fillRef idx="0">
-              <a:schemeClr val="accent1"/>
-            </a:fillRef>
-            <a:effectRef idx="0">
-              <a:schemeClr val="accent1"/>
-            </a:effectRef>
-            <a:fontRef idx="minor">
-              <a:schemeClr val="tx1"/>
-            </a:fontRef>
-          </p:style>
-        </p:cxnSp>
-        <p:cxnSp>
-          <p:nvCxnSpPr>
-            <p:cNvPr id="36" name="Gerade Verbindung mit Pfeil 35">
-              <a:extLst>
-                <a:ext uri="{FF2B5EF4-FFF2-40B4-BE49-F238E27FC236}">
-                  <a16:creationId xmlns:a16="http://schemas.microsoft.com/office/drawing/2014/main" id="{F92F8043-2104-B3F4-4EF5-78C125099C9D}"/>
-                </a:ext>
-              </a:extLst>
-            </p:cNvPr>
-            <p:cNvCxnSpPr>
-              <a:cxnSpLocks/>
-            </p:cNvCxnSpPr>
-            <p:nvPr/>
-          </p:nvCxnSpPr>
-          <p:spPr>
-            <a:xfrm>
-              <a:off x="3659482" y="1884037"/>
-              <a:ext cx="285752" cy="0"/>
-            </a:xfrm>
-            <a:prstGeom prst="straightConnector1">
-              <a:avLst/>
-            </a:prstGeom>
-            <a:ln>
-              <a:solidFill>
-                <a:schemeClr val="tx1"/>
-              </a:solidFill>
-              <a:tailEnd type="triangle"/>
-            </a:ln>
-          </p:spPr>
-          <p:style>
-            <a:lnRef idx="1">
-              <a:schemeClr val="accent1"/>
-            </a:lnRef>
-            <a:fillRef idx="0">
-              <a:schemeClr val="accent1"/>
-            </a:fillRef>
-            <a:effectRef idx="0">
-              <a:schemeClr val="accent1"/>
-            </a:effectRef>
-            <a:fontRef idx="minor">
-              <a:schemeClr val="tx1"/>
-            </a:fontRef>
-          </p:style>
-        </p:cxnSp>
-        <p:cxnSp>
-          <p:nvCxnSpPr>
-            <p:cNvPr id="39" name="Gerader Verbinder 38">
-              <a:extLst>
-                <a:ext uri="{FF2B5EF4-FFF2-40B4-BE49-F238E27FC236}">
-                  <a16:creationId xmlns:a16="http://schemas.microsoft.com/office/drawing/2014/main" id="{D475EDB8-6B77-E157-C521-242E46E09411}"/>
+                  <a16:creationId xmlns:a16="http://schemas.microsoft.com/office/drawing/2014/main" id="{D748CC78-1BBF-AE73-CFEC-34F493BD2292}"/>
                 </a:ext>
               </a:extLst>
             </p:cNvPr>
@@ -7640,9 +7412,9 @@
             <p:nvPr/>
           </p:nvCxnSpPr>
           <p:spPr>
-            <a:xfrm>
-              <a:off x="7882072" y="1811706"/>
-              <a:ext cx="270617" cy="0"/>
+            <a:xfrm flipV="1">
+              <a:off x="3945234" y="2152609"/>
+              <a:ext cx="165825" cy="123823"/>
             </a:xfrm>
             <a:prstGeom prst="line">
               <a:avLst/>
@@ -7670,10 +7442,10 @@
         </p:cxnSp>
         <p:cxnSp>
           <p:nvCxnSpPr>
-            <p:cNvPr id="40" name="Gerader Verbinder 39">
+            <p:cNvPr id="30" name="Gerader Verbinder 29">
               <a:extLst>
                 <a:ext uri="{FF2B5EF4-FFF2-40B4-BE49-F238E27FC236}">
-                  <a16:creationId xmlns:a16="http://schemas.microsoft.com/office/drawing/2014/main" id="{D634A7AD-D652-FBD0-4454-6AC0DD612E67}"/>
+                  <a16:creationId xmlns:a16="http://schemas.microsoft.com/office/drawing/2014/main" id="{E8B3C835-5EC3-FE1D-6E1A-432B6E8C32DC}"/>
                 </a:ext>
               </a:extLst>
             </p:cNvPr>
@@ -7683,9 +7455,9 @@
             <p:nvPr/>
           </p:nvCxnSpPr>
           <p:spPr>
-            <a:xfrm flipV="1">
-              <a:off x="8152689" y="1392962"/>
-              <a:ext cx="0" cy="418744"/>
+            <a:xfrm>
+              <a:off x="3945234" y="2084242"/>
+              <a:ext cx="152400" cy="68367"/>
             </a:xfrm>
             <a:prstGeom prst="line">
               <a:avLst/>
@@ -7711,98 +7483,12 @@
             </a:fontRef>
           </p:style>
         </p:cxnSp>
-        <p:cxnSp>
-          <p:nvCxnSpPr>
-            <p:cNvPr id="43" name="Gerader Verbinder 42">
+        <p:sp>
+          <p:nvSpPr>
+            <p:cNvPr id="31" name="Textfeld 30">
               <a:extLst>
                 <a:ext uri="{FF2B5EF4-FFF2-40B4-BE49-F238E27FC236}">
-                  <a16:creationId xmlns:a16="http://schemas.microsoft.com/office/drawing/2014/main" id="{ADF4433F-B4BF-DFE3-1947-AC718CB9982D}"/>
-                </a:ext>
-              </a:extLst>
-            </p:cNvPr>
-            <p:cNvCxnSpPr>
-              <a:cxnSpLocks/>
-            </p:cNvCxnSpPr>
-            <p:nvPr/>
-          </p:nvCxnSpPr>
-          <p:spPr>
-            <a:xfrm>
-              <a:off x="3659482" y="1392962"/>
-              <a:ext cx="4493207" cy="0"/>
-            </a:xfrm>
-            <a:prstGeom prst="line">
-              <a:avLst/>
-            </a:prstGeom>
-            <a:ln>
-              <a:solidFill>
-                <a:schemeClr val="tx1"/>
-              </a:solidFill>
-            </a:ln>
-          </p:spPr>
-          <p:style>
-            <a:lnRef idx="1">
-              <a:schemeClr val="accent1"/>
-            </a:lnRef>
-            <a:fillRef idx="0">
-              <a:schemeClr val="accent1"/>
-            </a:fillRef>
-            <a:effectRef idx="0">
-              <a:schemeClr val="accent1"/>
-            </a:effectRef>
-            <a:fontRef idx="minor">
-              <a:schemeClr val="tx1"/>
-            </a:fontRef>
-          </p:style>
-        </p:cxnSp>
-        <p:cxnSp>
-          <p:nvCxnSpPr>
-            <p:cNvPr id="46" name="Gerader Verbinder 45">
-              <a:extLst>
-                <a:ext uri="{FF2B5EF4-FFF2-40B4-BE49-F238E27FC236}">
-                  <a16:creationId xmlns:a16="http://schemas.microsoft.com/office/drawing/2014/main" id="{ABA78AAE-3174-61A5-A326-05588DABEB5D}"/>
-                </a:ext>
-              </a:extLst>
-            </p:cNvPr>
-            <p:cNvCxnSpPr>
-              <a:cxnSpLocks/>
-            </p:cNvCxnSpPr>
-            <p:nvPr/>
-          </p:nvCxnSpPr>
-          <p:spPr>
-            <a:xfrm>
-              <a:off x="3659482" y="1392962"/>
-              <a:ext cx="0" cy="491075"/>
-            </a:xfrm>
-            <a:prstGeom prst="line">
-              <a:avLst/>
-            </a:prstGeom>
-            <a:ln>
-              <a:solidFill>
-                <a:schemeClr val="tx1"/>
-              </a:solidFill>
-            </a:ln>
-          </p:spPr>
-          <p:style>
-            <a:lnRef idx="1">
-              <a:schemeClr val="accent1"/>
-            </a:lnRef>
-            <a:fillRef idx="0">
-              <a:schemeClr val="accent1"/>
-            </a:fillRef>
-            <a:effectRef idx="0">
-              <a:schemeClr val="accent1"/>
-            </a:effectRef>
-            <a:fontRef idx="minor">
-              <a:schemeClr val="tx1"/>
-            </a:fontRef>
-          </p:style>
-        </p:cxnSp>
-        <p:sp>
-          <p:nvSpPr>
-            <p:cNvPr id="52" name="Textfeld 51">
-              <a:extLst>
-                <a:ext uri="{FF2B5EF4-FFF2-40B4-BE49-F238E27FC236}">
-                  <a16:creationId xmlns:a16="http://schemas.microsoft.com/office/drawing/2014/main" id="{9ADE25E8-E87E-7570-5876-B14557495051}"/>
+                  <a16:creationId xmlns:a16="http://schemas.microsoft.com/office/drawing/2014/main" id="{333EF888-BCA7-ED4A-B578-BB937F9A4120}"/>
                 </a:ext>
               </a:extLst>
             </p:cNvPr>
@@ -7811,8 +7497,8 @@
           </p:nvSpPr>
           <p:spPr>
             <a:xfrm>
-              <a:off x="4911518" y="1129393"/>
-              <a:ext cx="1102674" cy="276999"/>
+              <a:off x="4067367" y="1933759"/>
+              <a:ext cx="264816" cy="369332"/>
             </a:xfrm>
             <a:prstGeom prst="rect">
               <a:avLst/>
@@ -7826,27 +7512,1253 @@
             <a:lstStyle/>
             <a:p>
               <a:r>
-                <a:rPr lang="de-DE" sz="1200" dirty="0" err="1"/>
-                <a:t>ack</a:t>
+                <a:rPr lang="de-DE" dirty="0"/>
+                <a:t>r</a:t>
               </a:r>
-              <a:r>
-                <a:rPr lang="de-DE" sz="1200" dirty="0"/>
-                <a:t>, </a:t>
-              </a:r>
-              <a:r>
-                <a:rPr lang="de-DE" sz="1200" dirty="0" err="1"/>
-                <a:t>data_read</a:t>
-              </a:r>
-              <a:endParaRPr lang="en-US" sz="1200" dirty="0"/>
+              <a:endParaRPr lang="en-US" dirty="0"/>
             </a:p>
           </p:txBody>
         </p:sp>
+      </p:grpSp>
+      <p:cxnSp>
+        <p:nvCxnSpPr>
+          <p:cNvPr id="35" name="Gerade Verbindung mit Pfeil 34">
+            <a:extLst>
+              <a:ext uri="{FF2B5EF4-FFF2-40B4-BE49-F238E27FC236}">
+                <a16:creationId xmlns:a16="http://schemas.microsoft.com/office/drawing/2014/main" id="{1DE578BD-D7AB-F42E-7BDA-2F2CA7EBE409}"/>
+              </a:ext>
+            </a:extLst>
+          </p:cNvPr>
+          <p:cNvCxnSpPr>
+            <a:cxnSpLocks/>
+          </p:cNvCxnSpPr>
+          <p:nvPr/>
+        </p:nvCxnSpPr>
+        <p:spPr>
+          <a:xfrm>
+            <a:off x="4317050" y="2700469"/>
+            <a:ext cx="3197481" cy="0"/>
+          </a:xfrm>
+          <a:prstGeom prst="straightConnector1">
+            <a:avLst/>
+          </a:prstGeom>
+          <a:ln>
+            <a:solidFill>
+              <a:schemeClr val="tx1"/>
+            </a:solidFill>
+            <a:tailEnd type="triangle"/>
+          </a:ln>
+        </p:spPr>
+        <p:style>
+          <a:lnRef idx="1">
+            <a:schemeClr val="accent1"/>
+          </a:lnRef>
+          <a:fillRef idx="0">
+            <a:schemeClr val="accent1"/>
+          </a:fillRef>
+          <a:effectRef idx="0">
+            <a:schemeClr val="accent1"/>
+          </a:effectRef>
+          <a:fontRef idx="minor">
+            <a:schemeClr val="tx1"/>
+          </a:fontRef>
+        </p:style>
+      </p:cxnSp>
+      <p:cxnSp>
+        <p:nvCxnSpPr>
+          <p:cNvPr id="36" name="Gerade Verbindung mit Pfeil 35">
+            <a:extLst>
+              <a:ext uri="{FF2B5EF4-FFF2-40B4-BE49-F238E27FC236}">
+                <a16:creationId xmlns:a16="http://schemas.microsoft.com/office/drawing/2014/main" id="{F92F8043-2104-B3F4-4EF5-78C125099C9D}"/>
+              </a:ext>
+            </a:extLst>
+          </p:cNvPr>
+          <p:cNvCxnSpPr>
+            <a:cxnSpLocks/>
+          </p:cNvCxnSpPr>
+          <p:nvPr/>
+        </p:nvCxnSpPr>
+        <p:spPr>
+          <a:xfrm>
+            <a:off x="3659482" y="1884037"/>
+            <a:ext cx="285752" cy="0"/>
+          </a:xfrm>
+          <a:prstGeom prst="straightConnector1">
+            <a:avLst/>
+          </a:prstGeom>
+          <a:ln>
+            <a:solidFill>
+              <a:schemeClr val="tx1"/>
+            </a:solidFill>
+            <a:tailEnd type="triangle"/>
+          </a:ln>
+        </p:spPr>
+        <p:style>
+          <a:lnRef idx="1">
+            <a:schemeClr val="accent1"/>
+          </a:lnRef>
+          <a:fillRef idx="0">
+            <a:schemeClr val="accent1"/>
+          </a:fillRef>
+          <a:effectRef idx="0">
+            <a:schemeClr val="accent1"/>
+          </a:effectRef>
+          <a:fontRef idx="minor">
+            <a:schemeClr val="tx1"/>
+          </a:fontRef>
+        </p:style>
+      </p:cxnSp>
+      <p:cxnSp>
+        <p:nvCxnSpPr>
+          <p:cNvPr id="39" name="Gerader Verbinder 38">
+            <a:extLst>
+              <a:ext uri="{FF2B5EF4-FFF2-40B4-BE49-F238E27FC236}">
+                <a16:creationId xmlns:a16="http://schemas.microsoft.com/office/drawing/2014/main" id="{D475EDB8-6B77-E157-C521-242E46E09411}"/>
+              </a:ext>
+            </a:extLst>
+          </p:cNvPr>
+          <p:cNvCxnSpPr/>
+          <p:nvPr/>
+        </p:nvCxnSpPr>
+        <p:spPr>
+          <a:xfrm>
+            <a:off x="7882072" y="1811706"/>
+            <a:ext cx="270617" cy="0"/>
+          </a:xfrm>
+          <a:prstGeom prst="line">
+            <a:avLst/>
+          </a:prstGeom>
+          <a:ln>
+            <a:solidFill>
+              <a:schemeClr val="tx1"/>
+            </a:solidFill>
+          </a:ln>
+        </p:spPr>
+        <p:style>
+          <a:lnRef idx="1">
+            <a:schemeClr val="accent1"/>
+          </a:lnRef>
+          <a:fillRef idx="0">
+            <a:schemeClr val="accent1"/>
+          </a:fillRef>
+          <a:effectRef idx="0">
+            <a:schemeClr val="accent1"/>
+          </a:effectRef>
+          <a:fontRef idx="minor">
+            <a:schemeClr val="tx1"/>
+          </a:fontRef>
+        </p:style>
+      </p:cxnSp>
+      <p:cxnSp>
+        <p:nvCxnSpPr>
+          <p:cNvPr id="40" name="Gerader Verbinder 39">
+            <a:extLst>
+              <a:ext uri="{FF2B5EF4-FFF2-40B4-BE49-F238E27FC236}">
+                <a16:creationId xmlns:a16="http://schemas.microsoft.com/office/drawing/2014/main" id="{D634A7AD-D652-FBD0-4454-6AC0DD612E67}"/>
+              </a:ext>
+            </a:extLst>
+          </p:cNvPr>
+          <p:cNvCxnSpPr>
+            <a:cxnSpLocks/>
+          </p:cNvCxnSpPr>
+          <p:nvPr/>
+        </p:nvCxnSpPr>
+        <p:spPr>
+          <a:xfrm flipV="1">
+            <a:off x="8152689" y="1392962"/>
+            <a:ext cx="0" cy="418744"/>
+          </a:xfrm>
+          <a:prstGeom prst="line">
+            <a:avLst/>
+          </a:prstGeom>
+          <a:ln>
+            <a:solidFill>
+              <a:schemeClr val="tx1"/>
+            </a:solidFill>
+          </a:ln>
+        </p:spPr>
+        <p:style>
+          <a:lnRef idx="1">
+            <a:schemeClr val="accent1"/>
+          </a:lnRef>
+          <a:fillRef idx="0">
+            <a:schemeClr val="accent1"/>
+          </a:fillRef>
+          <a:effectRef idx="0">
+            <a:schemeClr val="accent1"/>
+          </a:effectRef>
+          <a:fontRef idx="minor">
+            <a:schemeClr val="tx1"/>
+          </a:fontRef>
+        </p:style>
+      </p:cxnSp>
+      <p:cxnSp>
+        <p:nvCxnSpPr>
+          <p:cNvPr id="43" name="Gerader Verbinder 42">
+            <a:extLst>
+              <a:ext uri="{FF2B5EF4-FFF2-40B4-BE49-F238E27FC236}">
+                <a16:creationId xmlns:a16="http://schemas.microsoft.com/office/drawing/2014/main" id="{ADF4433F-B4BF-DFE3-1947-AC718CB9982D}"/>
+              </a:ext>
+            </a:extLst>
+          </p:cNvPr>
+          <p:cNvCxnSpPr>
+            <a:cxnSpLocks/>
+          </p:cNvCxnSpPr>
+          <p:nvPr/>
+        </p:nvCxnSpPr>
+        <p:spPr>
+          <a:xfrm>
+            <a:off x="3659482" y="1392962"/>
+            <a:ext cx="4493207" cy="0"/>
+          </a:xfrm>
+          <a:prstGeom prst="line">
+            <a:avLst/>
+          </a:prstGeom>
+          <a:ln>
+            <a:solidFill>
+              <a:schemeClr val="tx1"/>
+            </a:solidFill>
+          </a:ln>
+        </p:spPr>
+        <p:style>
+          <a:lnRef idx="1">
+            <a:schemeClr val="accent1"/>
+          </a:lnRef>
+          <a:fillRef idx="0">
+            <a:schemeClr val="accent1"/>
+          </a:fillRef>
+          <a:effectRef idx="0">
+            <a:schemeClr val="accent1"/>
+          </a:effectRef>
+          <a:fontRef idx="minor">
+            <a:schemeClr val="tx1"/>
+          </a:fontRef>
+        </p:style>
+      </p:cxnSp>
+      <p:cxnSp>
+        <p:nvCxnSpPr>
+          <p:cNvPr id="46" name="Gerader Verbinder 45">
+            <a:extLst>
+              <a:ext uri="{FF2B5EF4-FFF2-40B4-BE49-F238E27FC236}">
+                <a16:creationId xmlns:a16="http://schemas.microsoft.com/office/drawing/2014/main" id="{ABA78AAE-3174-61A5-A326-05588DABEB5D}"/>
+              </a:ext>
+            </a:extLst>
+          </p:cNvPr>
+          <p:cNvCxnSpPr>
+            <a:cxnSpLocks/>
+          </p:cNvCxnSpPr>
+          <p:nvPr/>
+        </p:nvCxnSpPr>
+        <p:spPr>
+          <a:xfrm>
+            <a:off x="3659482" y="1392962"/>
+            <a:ext cx="0" cy="491075"/>
+          </a:xfrm>
+          <a:prstGeom prst="line">
+            <a:avLst/>
+          </a:prstGeom>
+          <a:ln>
+            <a:solidFill>
+              <a:schemeClr val="tx1"/>
+            </a:solidFill>
+          </a:ln>
+        </p:spPr>
+        <p:style>
+          <a:lnRef idx="1">
+            <a:schemeClr val="accent1"/>
+          </a:lnRef>
+          <a:fillRef idx="0">
+            <a:schemeClr val="accent1"/>
+          </a:fillRef>
+          <a:effectRef idx="0">
+            <a:schemeClr val="accent1"/>
+          </a:effectRef>
+          <a:fontRef idx="minor">
+            <a:schemeClr val="tx1"/>
+          </a:fontRef>
+        </p:style>
+      </p:cxnSp>
+      <p:sp>
+        <p:nvSpPr>
+          <p:cNvPr id="52" name="Textfeld 51">
+            <a:extLst>
+              <a:ext uri="{FF2B5EF4-FFF2-40B4-BE49-F238E27FC236}">
+                <a16:creationId xmlns:a16="http://schemas.microsoft.com/office/drawing/2014/main" id="{9ADE25E8-E87E-7570-5876-B14557495051}"/>
+              </a:ext>
+            </a:extLst>
+          </p:cNvPr>
+          <p:cNvSpPr txBox="1"/>
+          <p:nvPr/>
+        </p:nvSpPr>
+        <p:spPr>
+          <a:xfrm>
+            <a:off x="4911518" y="1129393"/>
+            <a:ext cx="1102674" cy="276999"/>
+          </a:xfrm>
+          <a:prstGeom prst="rect">
+            <a:avLst/>
+          </a:prstGeom>
+          <a:noFill/>
+        </p:spPr>
+        <p:txBody>
+          <a:bodyPr wrap="none" rtlCol="0">
+            <a:spAutoFit/>
+          </a:bodyPr>
+          <a:lstStyle/>
+          <a:p>
+            <a:r>
+              <a:rPr lang="de-DE" sz="1200" dirty="0" err="1"/>
+              <a:t>ack</a:t>
+            </a:r>
+            <a:r>
+              <a:rPr lang="de-DE" sz="1200" dirty="0"/>
+              <a:t>, </a:t>
+            </a:r>
+            <a:r>
+              <a:rPr lang="de-DE" sz="1200" dirty="0" err="1"/>
+              <a:t>data_read</a:t>
+            </a:r>
+            <a:endParaRPr lang="en-US" sz="1200" dirty="0"/>
+          </a:p>
+        </p:txBody>
+      </p:sp>
+      <p:sp>
+        <p:nvSpPr>
+          <p:cNvPr id="54" name="Textfeld 53">
+            <a:extLst>
+              <a:ext uri="{FF2B5EF4-FFF2-40B4-BE49-F238E27FC236}">
+                <a16:creationId xmlns:a16="http://schemas.microsoft.com/office/drawing/2014/main" id="{63B1857B-A16D-2CDA-91DA-62A84DCB0183}"/>
+              </a:ext>
+            </a:extLst>
+          </p:cNvPr>
+          <p:cNvSpPr txBox="1"/>
+          <p:nvPr/>
+        </p:nvSpPr>
+        <p:spPr>
+          <a:xfrm>
+            <a:off x="4886488" y="2447907"/>
+            <a:ext cx="1224181" cy="461665"/>
+          </a:xfrm>
+          <a:prstGeom prst="rect">
+            <a:avLst/>
+          </a:prstGeom>
+          <a:noFill/>
+        </p:spPr>
+        <p:txBody>
+          <a:bodyPr wrap="none" rtlCol="0">
+            <a:spAutoFit/>
+          </a:bodyPr>
+          <a:lstStyle/>
+          <a:p>
+            <a:r>
+              <a:rPr lang="de-DE" sz="1200" dirty="0" err="1"/>
+              <a:t>control</a:t>
+            </a:r>
+            <a:r>
+              <a:rPr lang="de-DE" sz="1200" dirty="0"/>
+              <a:t>, </a:t>
+            </a:r>
+            <a:r>
+              <a:rPr lang="de-DE" sz="1200" dirty="0" err="1"/>
+              <a:t>address</a:t>
+            </a:r>
+            <a:r>
+              <a:rPr lang="de-DE" sz="1200" dirty="0"/>
+              <a:t>,</a:t>
+            </a:r>
+          </a:p>
+          <a:p>
+            <a:r>
+              <a:rPr lang="de-DE" sz="1200" dirty="0" err="1"/>
+              <a:t>data_write</a:t>
+            </a:r>
+            <a:endParaRPr lang="en-US" sz="1200" dirty="0"/>
+          </a:p>
+        </p:txBody>
+      </p:sp>
+      <p:cxnSp>
+        <p:nvCxnSpPr>
+          <p:cNvPr id="57" name="Gerade Verbindung mit Pfeil 56">
+            <a:extLst>
+              <a:ext uri="{FF2B5EF4-FFF2-40B4-BE49-F238E27FC236}">
+                <a16:creationId xmlns:a16="http://schemas.microsoft.com/office/drawing/2014/main" id="{44E302B7-712A-212B-D8D3-C18863961B72}"/>
+              </a:ext>
+            </a:extLst>
+          </p:cNvPr>
+          <p:cNvCxnSpPr>
+            <a:cxnSpLocks/>
+          </p:cNvCxnSpPr>
+          <p:nvPr/>
+        </p:nvCxnSpPr>
+        <p:spPr>
+          <a:xfrm>
+            <a:off x="3666602" y="2164627"/>
+            <a:ext cx="285752" cy="0"/>
+          </a:xfrm>
+          <a:prstGeom prst="straightConnector1">
+            <a:avLst/>
+          </a:prstGeom>
+          <a:ln w="44450">
+            <a:solidFill>
+              <a:srgbClr val="FF0000"/>
+            </a:solidFill>
+            <a:tailEnd type="triangle"/>
+          </a:ln>
+        </p:spPr>
+        <p:style>
+          <a:lnRef idx="1">
+            <a:schemeClr val="accent1"/>
+          </a:lnRef>
+          <a:fillRef idx="0">
+            <a:schemeClr val="accent1"/>
+          </a:fillRef>
+          <a:effectRef idx="0">
+            <a:schemeClr val="accent1"/>
+          </a:effectRef>
+          <a:fontRef idx="minor">
+            <a:schemeClr val="tx1"/>
+          </a:fontRef>
+        </p:style>
+      </p:cxnSp>
+      <p:cxnSp>
+        <p:nvCxnSpPr>
+          <p:cNvPr id="58" name="Gerade Verbindung mit Pfeil 57">
+            <a:extLst>
+              <a:ext uri="{FF2B5EF4-FFF2-40B4-BE49-F238E27FC236}">
+                <a16:creationId xmlns:a16="http://schemas.microsoft.com/office/drawing/2014/main" id="{752061CB-2AD0-44C0-8A05-6337235FE26D}"/>
+              </a:ext>
+            </a:extLst>
+          </p:cNvPr>
+          <p:cNvCxnSpPr>
+            <a:cxnSpLocks/>
+          </p:cNvCxnSpPr>
+          <p:nvPr/>
+        </p:nvCxnSpPr>
+        <p:spPr>
+          <a:xfrm>
+            <a:off x="3665177" y="3077602"/>
+            <a:ext cx="285752" cy="0"/>
+          </a:xfrm>
+          <a:prstGeom prst="straightConnector1">
+            <a:avLst/>
+          </a:prstGeom>
+          <a:ln w="44450">
+            <a:solidFill>
+              <a:srgbClr val="FF0000"/>
+            </a:solidFill>
+            <a:tailEnd type="triangle"/>
+          </a:ln>
+        </p:spPr>
+        <p:style>
+          <a:lnRef idx="1">
+            <a:schemeClr val="accent1"/>
+          </a:lnRef>
+          <a:fillRef idx="0">
+            <a:schemeClr val="accent1"/>
+          </a:fillRef>
+          <a:effectRef idx="0">
+            <a:schemeClr val="accent1"/>
+          </a:effectRef>
+          <a:fontRef idx="minor">
+            <a:schemeClr val="tx1"/>
+          </a:fontRef>
+        </p:style>
+      </p:cxnSp>
+      <p:cxnSp>
+        <p:nvCxnSpPr>
+          <p:cNvPr id="59" name="Gerader Verbinder 58">
+            <a:extLst>
+              <a:ext uri="{FF2B5EF4-FFF2-40B4-BE49-F238E27FC236}">
+                <a16:creationId xmlns:a16="http://schemas.microsoft.com/office/drawing/2014/main" id="{7BDF9EA2-F355-777B-5443-85EF2E633CF5}"/>
+              </a:ext>
+            </a:extLst>
+          </p:cNvPr>
+          <p:cNvCxnSpPr>
+            <a:cxnSpLocks/>
+          </p:cNvCxnSpPr>
+          <p:nvPr/>
+        </p:nvCxnSpPr>
+        <p:spPr>
+          <a:xfrm>
+            <a:off x="3666602" y="2152609"/>
+            <a:ext cx="8015" cy="1580477"/>
+          </a:xfrm>
+          <a:prstGeom prst="line">
+            <a:avLst/>
+          </a:prstGeom>
+          <a:ln w="44450">
+            <a:solidFill>
+              <a:srgbClr val="FF0000"/>
+            </a:solidFill>
+          </a:ln>
+        </p:spPr>
+        <p:style>
+          <a:lnRef idx="1">
+            <a:schemeClr val="accent1"/>
+          </a:lnRef>
+          <a:fillRef idx="0">
+            <a:schemeClr val="accent1"/>
+          </a:fillRef>
+          <a:effectRef idx="0">
+            <a:schemeClr val="accent1"/>
+          </a:effectRef>
+          <a:fontRef idx="minor">
+            <a:schemeClr val="tx1"/>
+          </a:fontRef>
+        </p:style>
+      </p:cxnSp>
+      <p:cxnSp>
+        <p:nvCxnSpPr>
+          <p:cNvPr id="61" name="Gerade Verbindung mit Pfeil 60">
+            <a:extLst>
+              <a:ext uri="{FF2B5EF4-FFF2-40B4-BE49-F238E27FC236}">
+                <a16:creationId xmlns:a16="http://schemas.microsoft.com/office/drawing/2014/main" id="{0AC42F87-7016-80E8-089E-A732D3BC31BE}"/>
+              </a:ext>
+            </a:extLst>
+          </p:cNvPr>
+          <p:cNvCxnSpPr>
+            <a:cxnSpLocks/>
+          </p:cNvCxnSpPr>
+          <p:nvPr/>
+        </p:nvCxnSpPr>
+        <p:spPr>
+          <a:xfrm>
+            <a:off x="7230204" y="2157750"/>
+            <a:ext cx="285752" cy="0"/>
+          </a:xfrm>
+          <a:prstGeom prst="straightConnector1">
+            <a:avLst/>
+          </a:prstGeom>
+          <a:ln w="44450">
+            <a:solidFill>
+              <a:srgbClr val="002060"/>
+            </a:solidFill>
+            <a:tailEnd type="triangle"/>
+          </a:ln>
+        </p:spPr>
+        <p:style>
+          <a:lnRef idx="1">
+            <a:schemeClr val="accent1"/>
+          </a:lnRef>
+          <a:fillRef idx="0">
+            <a:schemeClr val="accent1"/>
+          </a:fillRef>
+          <a:effectRef idx="0">
+            <a:schemeClr val="accent1"/>
+          </a:effectRef>
+          <a:fontRef idx="minor">
+            <a:schemeClr val="tx1"/>
+          </a:fontRef>
+        </p:style>
+      </p:cxnSp>
+      <p:cxnSp>
+        <p:nvCxnSpPr>
+          <p:cNvPr id="62" name="Gerade Verbindung mit Pfeil 61">
+            <a:extLst>
+              <a:ext uri="{FF2B5EF4-FFF2-40B4-BE49-F238E27FC236}">
+                <a16:creationId xmlns:a16="http://schemas.microsoft.com/office/drawing/2014/main" id="{C45C744E-8E07-8FDC-C812-823DED84D8AA}"/>
+              </a:ext>
+            </a:extLst>
+          </p:cNvPr>
+          <p:cNvCxnSpPr>
+            <a:cxnSpLocks/>
+          </p:cNvCxnSpPr>
+          <p:nvPr/>
+        </p:nvCxnSpPr>
+        <p:spPr>
+          <a:xfrm>
+            <a:off x="7228779" y="3070725"/>
+            <a:ext cx="285752" cy="0"/>
+          </a:xfrm>
+          <a:prstGeom prst="straightConnector1">
+            <a:avLst/>
+          </a:prstGeom>
+          <a:ln w="44450">
+            <a:solidFill>
+              <a:srgbClr val="002060"/>
+            </a:solidFill>
+            <a:tailEnd type="triangle"/>
+          </a:ln>
+        </p:spPr>
+        <p:style>
+          <a:lnRef idx="1">
+            <a:schemeClr val="accent1"/>
+          </a:lnRef>
+          <a:fillRef idx="0">
+            <a:schemeClr val="accent1"/>
+          </a:fillRef>
+          <a:effectRef idx="0">
+            <a:schemeClr val="accent1"/>
+          </a:effectRef>
+          <a:fontRef idx="minor">
+            <a:schemeClr val="tx1"/>
+          </a:fontRef>
+        </p:style>
+      </p:cxnSp>
+      <p:cxnSp>
+        <p:nvCxnSpPr>
+          <p:cNvPr id="63" name="Gerader Verbinder 62">
+            <a:extLst>
+              <a:ext uri="{FF2B5EF4-FFF2-40B4-BE49-F238E27FC236}">
+                <a16:creationId xmlns:a16="http://schemas.microsoft.com/office/drawing/2014/main" id="{B9E2DFC0-DA57-5FD7-515A-B7E4042689B6}"/>
+              </a:ext>
+            </a:extLst>
+          </p:cNvPr>
+          <p:cNvCxnSpPr>
+            <a:cxnSpLocks/>
+          </p:cNvCxnSpPr>
+          <p:nvPr/>
+        </p:nvCxnSpPr>
+        <p:spPr>
+          <a:xfrm>
+            <a:off x="7230204" y="2145732"/>
+            <a:ext cx="0" cy="1587354"/>
+          </a:xfrm>
+          <a:prstGeom prst="line">
+            <a:avLst/>
+          </a:prstGeom>
+          <a:ln w="44450">
+            <a:solidFill>
+              <a:srgbClr val="002060"/>
+            </a:solidFill>
+          </a:ln>
+        </p:spPr>
+        <p:style>
+          <a:lnRef idx="1">
+            <a:schemeClr val="accent1"/>
+          </a:lnRef>
+          <a:fillRef idx="0">
+            <a:schemeClr val="accent1"/>
+          </a:fillRef>
+          <a:effectRef idx="0">
+            <a:schemeClr val="accent1"/>
+          </a:effectRef>
+          <a:fontRef idx="minor">
+            <a:schemeClr val="tx1"/>
+          </a:fontRef>
+        </p:style>
+      </p:cxnSp>
+      <p:cxnSp>
+        <p:nvCxnSpPr>
+          <p:cNvPr id="65" name="Gerader Verbinder 64">
+            <a:extLst>
+              <a:ext uri="{FF2B5EF4-FFF2-40B4-BE49-F238E27FC236}">
+                <a16:creationId xmlns:a16="http://schemas.microsoft.com/office/drawing/2014/main" id="{E0E1AA4B-9524-3A29-1F57-BBD10B7E69FB}"/>
+              </a:ext>
+            </a:extLst>
+          </p:cNvPr>
+          <p:cNvCxnSpPr>
+            <a:cxnSpLocks/>
+          </p:cNvCxnSpPr>
+          <p:nvPr/>
+        </p:nvCxnSpPr>
+        <p:spPr>
+          <a:xfrm flipV="1">
+            <a:off x="2729877" y="3729494"/>
+            <a:ext cx="944740" cy="3592"/>
+          </a:xfrm>
+          <a:prstGeom prst="line">
+            <a:avLst/>
+          </a:prstGeom>
+          <a:ln>
+            <a:solidFill>
+              <a:schemeClr val="tx1"/>
+            </a:solidFill>
+          </a:ln>
+        </p:spPr>
+        <p:style>
+          <a:lnRef idx="1">
+            <a:schemeClr val="accent1"/>
+          </a:lnRef>
+          <a:fillRef idx="0">
+            <a:schemeClr val="accent1"/>
+          </a:fillRef>
+          <a:effectRef idx="0">
+            <a:schemeClr val="accent1"/>
+          </a:effectRef>
+          <a:fontRef idx="minor">
+            <a:schemeClr val="tx1"/>
+          </a:fontRef>
+        </p:style>
+      </p:cxnSp>
+      <p:sp>
+        <p:nvSpPr>
+          <p:cNvPr id="68" name="Textfeld 67">
+            <a:extLst>
+              <a:ext uri="{FF2B5EF4-FFF2-40B4-BE49-F238E27FC236}">
+                <a16:creationId xmlns:a16="http://schemas.microsoft.com/office/drawing/2014/main" id="{AD0A6766-77AC-4E24-75F7-68497212E622}"/>
+              </a:ext>
+            </a:extLst>
+          </p:cNvPr>
+          <p:cNvSpPr txBox="1"/>
+          <p:nvPr/>
+        </p:nvSpPr>
+        <p:spPr>
+          <a:xfrm>
+            <a:off x="2699684" y="3452495"/>
+            <a:ext cx="356188" cy="276999"/>
+          </a:xfrm>
+          <a:prstGeom prst="rect">
+            <a:avLst/>
+          </a:prstGeom>
+          <a:noFill/>
+        </p:spPr>
+        <p:txBody>
+          <a:bodyPr wrap="none" rtlCol="0">
+            <a:spAutoFit/>
+          </a:bodyPr>
+          <a:lstStyle/>
+          <a:p>
+            <a:r>
+              <a:rPr lang="de-DE" sz="1200" dirty="0" err="1"/>
+              <a:t>clk</a:t>
+            </a:r>
+            <a:endParaRPr lang="en-US" sz="1200" dirty="0"/>
+          </a:p>
+        </p:txBody>
+      </p:sp>
+      <p:sp>
+        <p:nvSpPr>
+          <p:cNvPr id="82" name="Rechteck 81">
+            <a:extLst>
+              <a:ext uri="{FF2B5EF4-FFF2-40B4-BE49-F238E27FC236}">
+                <a16:creationId xmlns:a16="http://schemas.microsoft.com/office/drawing/2014/main" id="{A3F3E996-CC8A-23F5-F239-5EFC0698EC11}"/>
+              </a:ext>
+            </a:extLst>
+          </p:cNvPr>
+          <p:cNvSpPr/>
+          <p:nvPr/>
+        </p:nvSpPr>
+        <p:spPr>
+          <a:xfrm>
+            <a:off x="6238594" y="1129393"/>
+            <a:ext cx="2661486" cy="3004862"/>
+          </a:xfrm>
+          <a:prstGeom prst="rect">
+            <a:avLst/>
+          </a:prstGeom>
+          <a:noFill/>
+          <a:ln>
+            <a:solidFill>
+              <a:schemeClr val="tx1"/>
+            </a:solidFill>
+          </a:ln>
+        </p:spPr>
+        <p:style>
+          <a:lnRef idx="2">
+            <a:schemeClr val="accent1">
+              <a:shade val="50000"/>
+            </a:schemeClr>
+          </a:lnRef>
+          <a:fillRef idx="1">
+            <a:schemeClr val="accent1"/>
+          </a:fillRef>
+          <a:effectRef idx="0">
+            <a:schemeClr val="accent1"/>
+          </a:effectRef>
+          <a:fontRef idx="minor">
+            <a:schemeClr val="lt1"/>
+          </a:fontRef>
+        </p:style>
+        <p:txBody>
+          <a:bodyPr rtlCol="0" anchor="ctr"/>
+          <a:lstStyle/>
+          <a:p>
+            <a:pPr algn="ctr"/>
+            <a:endParaRPr lang="en-US"/>
+          </a:p>
+        </p:txBody>
+      </p:sp>
+      <p:sp>
+        <p:nvSpPr>
+          <p:cNvPr id="83" name="Textfeld 82">
+            <a:extLst>
+              <a:ext uri="{FF2B5EF4-FFF2-40B4-BE49-F238E27FC236}">
+                <a16:creationId xmlns:a16="http://schemas.microsoft.com/office/drawing/2014/main" id="{A86679F3-F204-6393-C75B-4455BEE9BE48}"/>
+              </a:ext>
+            </a:extLst>
+          </p:cNvPr>
+          <p:cNvSpPr txBox="1"/>
+          <p:nvPr/>
+        </p:nvSpPr>
+        <p:spPr>
+          <a:xfrm>
+            <a:off x="7897924" y="3812762"/>
+            <a:ext cx="822533" cy="276999"/>
+          </a:xfrm>
+          <a:prstGeom prst="rect">
+            <a:avLst/>
+          </a:prstGeom>
+          <a:noFill/>
+        </p:spPr>
+        <p:txBody>
+          <a:bodyPr wrap="none" rtlCol="0">
+            <a:spAutoFit/>
+          </a:bodyPr>
+          <a:lstStyle/>
+          <a:p>
+            <a:r>
+              <a:rPr lang="de-DE" sz="1200" dirty="0"/>
+              <a:t>USER </a:t>
+            </a:r>
+            <a:r>
+              <a:rPr lang="de-DE" sz="1200" dirty="0" err="1"/>
+              <a:t>core</a:t>
+            </a:r>
+            <a:endParaRPr lang="en-US" sz="1200" dirty="0"/>
+          </a:p>
+        </p:txBody>
+      </p:sp>
+      <p:sp>
+        <p:nvSpPr>
+          <p:cNvPr id="84" name="Rechteck 83">
+            <a:extLst>
+              <a:ext uri="{FF2B5EF4-FFF2-40B4-BE49-F238E27FC236}">
+                <a16:creationId xmlns:a16="http://schemas.microsoft.com/office/drawing/2014/main" id="{51C35A04-0349-80A1-8948-98C459910481}"/>
+              </a:ext>
+            </a:extLst>
+          </p:cNvPr>
+          <p:cNvSpPr/>
+          <p:nvPr/>
+        </p:nvSpPr>
+        <p:spPr>
+          <a:xfrm>
+            <a:off x="2444125" y="1114082"/>
+            <a:ext cx="2123168" cy="3020173"/>
+          </a:xfrm>
+          <a:prstGeom prst="rect">
+            <a:avLst/>
+          </a:prstGeom>
+          <a:noFill/>
+          <a:ln>
+            <a:solidFill>
+              <a:schemeClr val="tx1"/>
+            </a:solidFill>
+          </a:ln>
+        </p:spPr>
+        <p:style>
+          <a:lnRef idx="2">
+            <a:schemeClr val="accent1">
+              <a:shade val="50000"/>
+            </a:schemeClr>
+          </a:lnRef>
+          <a:fillRef idx="1">
+            <a:schemeClr val="accent1"/>
+          </a:fillRef>
+          <a:effectRef idx="0">
+            <a:schemeClr val="accent1"/>
+          </a:effectRef>
+          <a:fontRef idx="minor">
+            <a:schemeClr val="lt1"/>
+          </a:fontRef>
+        </p:style>
+        <p:txBody>
+          <a:bodyPr rtlCol="0" anchor="ctr"/>
+          <a:lstStyle/>
+          <a:p>
+            <a:pPr algn="ctr"/>
+            <a:endParaRPr lang="en-US"/>
+          </a:p>
+        </p:txBody>
+      </p:sp>
+      <p:sp>
+        <p:nvSpPr>
+          <p:cNvPr id="85" name="Textfeld 84">
+            <a:extLst>
+              <a:ext uri="{FF2B5EF4-FFF2-40B4-BE49-F238E27FC236}">
+                <a16:creationId xmlns:a16="http://schemas.microsoft.com/office/drawing/2014/main" id="{F891E938-0E1A-6136-BE6F-EA98DBFB0AC3}"/>
+              </a:ext>
+            </a:extLst>
+          </p:cNvPr>
+          <p:cNvSpPr txBox="1"/>
+          <p:nvPr/>
+        </p:nvSpPr>
+        <p:spPr>
+          <a:xfrm>
+            <a:off x="2438288" y="1129393"/>
+            <a:ext cx="929935" cy="276999"/>
+          </a:xfrm>
+          <a:prstGeom prst="rect">
+            <a:avLst/>
+          </a:prstGeom>
+          <a:noFill/>
+        </p:spPr>
+        <p:txBody>
+          <a:bodyPr wrap="none" rtlCol="0">
+            <a:spAutoFit/>
+          </a:bodyPr>
+          <a:lstStyle/>
+          <a:p>
+            <a:r>
+              <a:rPr lang="de-DE" sz="1200" dirty="0"/>
+              <a:t>MGMT </a:t>
+            </a:r>
+            <a:r>
+              <a:rPr lang="de-DE" sz="1200" dirty="0" err="1"/>
+              <a:t>core</a:t>
+            </a:r>
+            <a:endParaRPr lang="en-US" sz="1200" dirty="0"/>
+          </a:p>
+        </p:txBody>
+      </p:sp>
+      <p:cxnSp>
+        <p:nvCxnSpPr>
+          <p:cNvPr id="88" name="Gerader Verbinder 87">
+            <a:extLst>
+              <a:ext uri="{FF2B5EF4-FFF2-40B4-BE49-F238E27FC236}">
+                <a16:creationId xmlns:a16="http://schemas.microsoft.com/office/drawing/2014/main" id="{47912AB8-5B09-28FE-3DEC-AD0FCB87197A}"/>
+              </a:ext>
+            </a:extLst>
+          </p:cNvPr>
+          <p:cNvCxnSpPr>
+            <a:cxnSpLocks/>
+          </p:cNvCxnSpPr>
+          <p:nvPr/>
+        </p:nvCxnSpPr>
+        <p:spPr>
+          <a:xfrm>
+            <a:off x="4567293" y="3729494"/>
+            <a:ext cx="2661486" cy="0"/>
+          </a:xfrm>
+          <a:prstGeom prst="line">
+            <a:avLst/>
+          </a:prstGeom>
+          <a:ln w="44450">
+            <a:solidFill>
+              <a:srgbClr val="002060"/>
+            </a:solidFill>
+          </a:ln>
+        </p:spPr>
+        <p:style>
+          <a:lnRef idx="1">
+            <a:schemeClr val="accent1"/>
+          </a:lnRef>
+          <a:fillRef idx="0">
+            <a:schemeClr val="accent1"/>
+          </a:fillRef>
+          <a:effectRef idx="0">
+            <a:schemeClr val="accent1"/>
+          </a:effectRef>
+          <a:fontRef idx="minor">
+            <a:schemeClr val="tx1"/>
+          </a:fontRef>
+        </p:style>
+      </p:cxnSp>
+      <p:cxnSp>
+        <p:nvCxnSpPr>
+          <p:cNvPr id="91" name="Gerader Verbinder 90">
+            <a:extLst>
+              <a:ext uri="{FF2B5EF4-FFF2-40B4-BE49-F238E27FC236}">
+                <a16:creationId xmlns:a16="http://schemas.microsoft.com/office/drawing/2014/main" id="{855C3438-B23E-68CA-8C6B-0823884D40F9}"/>
+              </a:ext>
+            </a:extLst>
+          </p:cNvPr>
+          <p:cNvCxnSpPr>
+            <a:cxnSpLocks/>
+          </p:cNvCxnSpPr>
+          <p:nvPr/>
+        </p:nvCxnSpPr>
+        <p:spPr>
+          <a:xfrm>
+            <a:off x="3674617" y="3729494"/>
+            <a:ext cx="892676" cy="0"/>
+          </a:xfrm>
+          <a:prstGeom prst="line">
+            <a:avLst/>
+          </a:prstGeom>
+          <a:ln w="44450">
+            <a:solidFill>
+              <a:srgbClr val="00B050"/>
+            </a:solidFill>
+          </a:ln>
+        </p:spPr>
+        <p:style>
+          <a:lnRef idx="1">
+            <a:schemeClr val="accent1"/>
+          </a:lnRef>
+          <a:fillRef idx="0">
+            <a:schemeClr val="accent1"/>
+          </a:fillRef>
+          <a:effectRef idx="0">
+            <a:schemeClr val="accent1"/>
+          </a:effectRef>
+          <a:fontRef idx="minor">
+            <a:schemeClr val="tx1"/>
+          </a:fontRef>
+        </p:style>
+      </p:cxnSp>
+      <p:sp>
+        <p:nvSpPr>
+          <p:cNvPr id="94" name="Textfeld 93">
+            <a:extLst>
+              <a:ext uri="{FF2B5EF4-FFF2-40B4-BE49-F238E27FC236}">
+                <a16:creationId xmlns:a16="http://schemas.microsoft.com/office/drawing/2014/main" id="{079DF9D0-2987-9677-2B3E-D123F7B8C683}"/>
+              </a:ext>
+            </a:extLst>
+          </p:cNvPr>
+          <p:cNvSpPr txBox="1"/>
+          <p:nvPr/>
+        </p:nvSpPr>
+        <p:spPr>
+          <a:xfrm>
+            <a:off x="3158494" y="2397428"/>
+            <a:ext cx="495649" cy="276999"/>
+          </a:xfrm>
+          <a:prstGeom prst="rect">
+            <a:avLst/>
+          </a:prstGeom>
+          <a:noFill/>
+        </p:spPr>
+        <p:txBody>
+          <a:bodyPr wrap="none" rtlCol="0">
+            <a:spAutoFit/>
+          </a:bodyPr>
+          <a:lstStyle/>
+          <a:p>
+            <a:r>
+              <a:rPr lang="de-DE" sz="1200" dirty="0"/>
+              <a:t>ID-M</a:t>
+            </a:r>
+            <a:endParaRPr lang="en-US" sz="1200" dirty="0"/>
+          </a:p>
+        </p:txBody>
+      </p:sp>
+      <p:sp>
+        <p:nvSpPr>
+          <p:cNvPr id="95" name="Textfeld 94">
+            <a:extLst>
+              <a:ext uri="{FF2B5EF4-FFF2-40B4-BE49-F238E27FC236}">
+                <a16:creationId xmlns:a16="http://schemas.microsoft.com/office/drawing/2014/main" id="{54332894-FDB2-F957-A4CE-9E688B9EB473}"/>
+              </a:ext>
+            </a:extLst>
+          </p:cNvPr>
+          <p:cNvSpPr txBox="1"/>
+          <p:nvPr/>
+        </p:nvSpPr>
+        <p:spPr>
+          <a:xfrm>
+            <a:off x="7262431" y="3327277"/>
+            <a:ext cx="463588" cy="276999"/>
+          </a:xfrm>
+          <a:prstGeom prst="rect">
+            <a:avLst/>
+          </a:prstGeom>
+          <a:noFill/>
+        </p:spPr>
+        <p:txBody>
+          <a:bodyPr wrap="none" rtlCol="0">
+            <a:spAutoFit/>
+          </a:bodyPr>
+          <a:lstStyle/>
+          <a:p>
+            <a:r>
+              <a:rPr lang="de-DE" sz="1200" dirty="0"/>
+              <a:t>ID-U</a:t>
+            </a:r>
+            <a:endParaRPr lang="en-US" sz="1200" dirty="0"/>
+          </a:p>
+        </p:txBody>
+      </p:sp>
+      <p:sp>
+        <p:nvSpPr>
+          <p:cNvPr id="96" name="Textfeld 95">
+            <a:extLst>
+              <a:ext uri="{FF2B5EF4-FFF2-40B4-BE49-F238E27FC236}">
+                <a16:creationId xmlns:a16="http://schemas.microsoft.com/office/drawing/2014/main" id="{7EE260D5-DF0B-9BBE-61F0-192B0DC914B2}"/>
+              </a:ext>
+            </a:extLst>
+          </p:cNvPr>
+          <p:cNvSpPr txBox="1"/>
+          <p:nvPr/>
+        </p:nvSpPr>
+        <p:spPr>
+          <a:xfrm>
+            <a:off x="3825885" y="3454436"/>
+            <a:ext cx="466794" cy="276999"/>
+          </a:xfrm>
+          <a:prstGeom prst="rect">
+            <a:avLst/>
+          </a:prstGeom>
+          <a:noFill/>
+        </p:spPr>
+        <p:txBody>
+          <a:bodyPr wrap="none" rtlCol="0">
+            <a:spAutoFit/>
+          </a:bodyPr>
+          <a:lstStyle/>
+          <a:p>
+            <a:r>
+              <a:rPr lang="de-DE" sz="1200" dirty="0"/>
+              <a:t>ID-O</a:t>
+            </a:r>
+            <a:endParaRPr lang="en-US" sz="1200" dirty="0"/>
+          </a:p>
+        </p:txBody>
+      </p:sp>
+      <p:grpSp>
+        <p:nvGrpSpPr>
+          <p:cNvPr id="3" name="Gruppieren 2">
+            <a:extLst>
+              <a:ext uri="{FF2B5EF4-FFF2-40B4-BE49-F238E27FC236}">
+                <a16:creationId xmlns:a16="http://schemas.microsoft.com/office/drawing/2014/main" id="{2F045FB9-D273-7FB8-4275-391B34BDD4B7}"/>
+              </a:ext>
+            </a:extLst>
+          </p:cNvPr>
+          <p:cNvGrpSpPr/>
+          <p:nvPr/>
+        </p:nvGrpSpPr>
+        <p:grpSpPr>
+          <a:xfrm>
+            <a:off x="3941988" y="2565017"/>
+            <a:ext cx="386949" cy="649229"/>
+            <a:chOff x="3945234" y="1653862"/>
+            <a:chExt cx="386949" cy="649229"/>
+          </a:xfrm>
+        </p:grpSpPr>
         <p:sp>
           <p:nvSpPr>
-            <p:cNvPr id="54" name="Textfeld 53">
+            <p:cNvPr id="5" name="Rechteck 4">
               <a:extLst>
                 <a:ext uri="{FF2B5EF4-FFF2-40B4-BE49-F238E27FC236}">
-                  <a16:creationId xmlns:a16="http://schemas.microsoft.com/office/drawing/2014/main" id="{63B1857B-A16D-2CDA-91DA-62A84DCB0183}"/>
+                  <a16:creationId xmlns:a16="http://schemas.microsoft.com/office/drawing/2014/main" id="{B40FA8BF-4731-FA8F-7BCA-5F77ACB00D1B}"/>
+                </a:ext>
+              </a:extLst>
+            </p:cNvPr>
+            <p:cNvSpPr/>
+            <p:nvPr/>
+          </p:nvSpPr>
+          <p:spPr>
+            <a:xfrm>
+              <a:off x="3945234" y="1653862"/>
+              <a:ext cx="356681" cy="622570"/>
+            </a:xfrm>
+            <a:prstGeom prst="rect">
+              <a:avLst/>
+            </a:prstGeom>
+            <a:solidFill>
+              <a:srgbClr val="FFFF00"/>
+            </a:solidFill>
+            <a:ln>
+              <a:solidFill>
+                <a:schemeClr val="tx1"/>
+              </a:solidFill>
+            </a:ln>
+          </p:spPr>
+          <p:style>
+            <a:lnRef idx="2">
+              <a:schemeClr val="accent1">
+                <a:shade val="50000"/>
+              </a:schemeClr>
+            </a:lnRef>
+            <a:fillRef idx="1">
+              <a:schemeClr val="accent1"/>
+            </a:fillRef>
+            <a:effectRef idx="0">
+              <a:schemeClr val="accent1"/>
+            </a:effectRef>
+            <a:fontRef idx="minor">
+              <a:schemeClr val="lt1"/>
+            </a:fontRef>
+          </p:style>
+          <p:txBody>
+            <a:bodyPr rtlCol="0" anchor="ctr"/>
+            <a:lstStyle/>
+            <a:p>
+              <a:pPr algn="ctr"/>
+              <a:endParaRPr lang="en-US" dirty="0"/>
+            </a:p>
+          </p:txBody>
+        </p:sp>
+        <p:cxnSp>
+          <p:nvCxnSpPr>
+            <p:cNvPr id="8" name="Gerader Verbinder 7">
+              <a:extLst>
+                <a:ext uri="{FF2B5EF4-FFF2-40B4-BE49-F238E27FC236}">
+                  <a16:creationId xmlns:a16="http://schemas.microsoft.com/office/drawing/2014/main" id="{1241ED0B-6F5F-09F8-5310-1D59E8EAA8DB}"/>
+                </a:ext>
+              </a:extLst>
+            </p:cNvPr>
+            <p:cNvCxnSpPr/>
+            <p:nvPr/>
+          </p:nvCxnSpPr>
+          <p:spPr>
+            <a:xfrm flipV="1">
+              <a:off x="3945234" y="2152609"/>
+              <a:ext cx="165825" cy="123823"/>
+            </a:xfrm>
+            <a:prstGeom prst="line">
+              <a:avLst/>
+            </a:prstGeom>
+            <a:ln>
+              <a:solidFill>
+                <a:schemeClr val="tx1"/>
+              </a:solidFill>
+            </a:ln>
+          </p:spPr>
+          <p:style>
+            <a:lnRef idx="1">
+              <a:schemeClr val="accent1"/>
+            </a:lnRef>
+            <a:fillRef idx="0">
+              <a:schemeClr val="accent1"/>
+            </a:fillRef>
+            <a:effectRef idx="0">
+              <a:schemeClr val="accent1"/>
+            </a:effectRef>
+            <a:fontRef idx="minor">
+              <a:schemeClr val="tx1"/>
+            </a:fontRef>
+          </p:style>
+        </p:cxnSp>
+        <p:cxnSp>
+          <p:nvCxnSpPr>
+            <p:cNvPr id="9" name="Gerader Verbinder 8">
+              <a:extLst>
+                <a:ext uri="{FF2B5EF4-FFF2-40B4-BE49-F238E27FC236}">
+                  <a16:creationId xmlns:a16="http://schemas.microsoft.com/office/drawing/2014/main" id="{5BBF36A7-5EC1-2854-65EA-B00DAF19CD00}"/>
+                </a:ext>
+              </a:extLst>
+            </p:cNvPr>
+            <p:cNvCxnSpPr>
+              <a:cxnSpLocks/>
+            </p:cNvCxnSpPr>
+            <p:nvPr/>
+          </p:nvCxnSpPr>
+          <p:spPr>
+            <a:xfrm>
+              <a:off x="3945234" y="2084242"/>
+              <a:ext cx="152400" cy="68367"/>
+            </a:xfrm>
+            <a:prstGeom prst="line">
+              <a:avLst/>
+            </a:prstGeom>
+            <a:ln>
+              <a:solidFill>
+                <a:schemeClr val="tx1"/>
+              </a:solidFill>
+            </a:ln>
+          </p:spPr>
+          <p:style>
+            <a:lnRef idx="1">
+              <a:schemeClr val="accent1"/>
+            </a:lnRef>
+            <a:fillRef idx="0">
+              <a:schemeClr val="accent1"/>
+            </a:fillRef>
+            <a:effectRef idx="0">
+              <a:schemeClr val="accent1"/>
+            </a:effectRef>
+            <a:fontRef idx="minor">
+              <a:schemeClr val="tx1"/>
+            </a:fontRef>
+          </p:style>
+        </p:cxnSp>
+        <p:sp>
+          <p:nvSpPr>
+            <p:cNvPr id="10" name="Textfeld 9">
+              <a:extLst>
+                <a:ext uri="{FF2B5EF4-FFF2-40B4-BE49-F238E27FC236}">
+                  <a16:creationId xmlns:a16="http://schemas.microsoft.com/office/drawing/2014/main" id="{1F8FAAA2-FC31-985E-732D-A5F751D3832B}"/>
                 </a:ext>
               </a:extLst>
             </p:cNvPr>
@@ -7855,8 +8767,8 @@
           </p:nvSpPr>
           <p:spPr>
             <a:xfrm>
-              <a:off x="4886488" y="2447907"/>
-              <a:ext cx="1224181" cy="461665"/>
+              <a:off x="4067367" y="1933759"/>
+              <a:ext cx="264816" cy="369332"/>
             </a:xfrm>
             <a:prstGeom prst="rect">
               <a:avLst/>
@@ -7870,311 +8782,104 @@
             <a:lstStyle/>
             <a:p>
               <a:r>
-                <a:rPr lang="de-DE" sz="1200" dirty="0" err="1"/>
-                <a:t>control</a:t>
+                <a:rPr lang="de-DE" dirty="0"/>
+                <a:t>r</a:t>
               </a:r>
-              <a:r>
-                <a:rPr lang="de-DE" sz="1200" dirty="0"/>
-                <a:t>, </a:t>
-              </a:r>
-              <a:r>
-                <a:rPr lang="de-DE" sz="1200" dirty="0" err="1"/>
-                <a:t>address</a:t>
-              </a:r>
-              <a:r>
-                <a:rPr lang="de-DE" sz="1200" dirty="0"/>
-                <a:t>,</a:t>
-              </a:r>
+              <a:endParaRPr lang="en-US" dirty="0"/>
             </a:p>
+          </p:txBody>
+        </p:sp>
+      </p:grpSp>
+      <p:grpSp>
+        <p:nvGrpSpPr>
+          <p:cNvPr id="11" name="Gruppieren 10">
+            <a:extLst>
+              <a:ext uri="{FF2B5EF4-FFF2-40B4-BE49-F238E27FC236}">
+                <a16:creationId xmlns:a16="http://schemas.microsoft.com/office/drawing/2014/main" id="{0D31220B-CA82-FC45-FF34-60A5FFA89859}"/>
+              </a:ext>
+            </a:extLst>
+          </p:cNvPr>
+          <p:cNvGrpSpPr/>
+          <p:nvPr/>
+        </p:nvGrpSpPr>
+        <p:grpSpPr>
+          <a:xfrm>
+            <a:off x="7519776" y="1650620"/>
+            <a:ext cx="386949" cy="649229"/>
+            <a:chOff x="3945234" y="1653862"/>
+            <a:chExt cx="386949" cy="649229"/>
+          </a:xfrm>
+        </p:grpSpPr>
+        <p:sp>
+          <p:nvSpPr>
+            <p:cNvPr id="12" name="Rechteck 11">
+              <a:extLst>
+                <a:ext uri="{FF2B5EF4-FFF2-40B4-BE49-F238E27FC236}">
+                  <a16:creationId xmlns:a16="http://schemas.microsoft.com/office/drawing/2014/main" id="{EA3CDD6A-72B1-ABB5-F533-501C6B1B898E}"/>
+                </a:ext>
+              </a:extLst>
+            </p:cNvPr>
+            <p:cNvSpPr/>
+            <p:nvPr/>
+          </p:nvSpPr>
+          <p:spPr>
+            <a:xfrm>
+              <a:off x="3945234" y="1653862"/>
+              <a:ext cx="356681" cy="622570"/>
+            </a:xfrm>
+            <a:prstGeom prst="rect">
+              <a:avLst/>
+            </a:prstGeom>
+            <a:solidFill>
+              <a:srgbClr val="FFFF00"/>
+            </a:solidFill>
+            <a:ln>
+              <a:solidFill>
+                <a:schemeClr val="tx1"/>
+              </a:solidFill>
+            </a:ln>
+          </p:spPr>
+          <p:style>
+            <a:lnRef idx="2">
+              <a:schemeClr val="accent1">
+                <a:shade val="50000"/>
+              </a:schemeClr>
+            </a:lnRef>
+            <a:fillRef idx="1">
+              <a:schemeClr val="accent1"/>
+            </a:fillRef>
+            <a:effectRef idx="0">
+              <a:schemeClr val="accent1"/>
+            </a:effectRef>
+            <a:fontRef idx="minor">
+              <a:schemeClr val="lt1"/>
+            </a:fontRef>
+          </p:style>
+          <p:txBody>
+            <a:bodyPr rtlCol="0" anchor="ctr"/>
+            <a:lstStyle/>
             <a:p>
-              <a:r>
-                <a:rPr lang="de-DE" sz="1200" dirty="0" err="1"/>
-                <a:t>data_write</a:t>
-              </a:r>
-              <a:endParaRPr lang="en-US" sz="1200" dirty="0"/>
+              <a:pPr algn="ctr"/>
+              <a:endParaRPr lang="en-US" dirty="0"/>
             </a:p>
           </p:txBody>
         </p:sp>
         <p:cxnSp>
           <p:nvCxnSpPr>
-            <p:cNvPr id="57" name="Gerade Verbindung mit Pfeil 56">
+            <p:cNvPr id="13" name="Gerader Verbinder 12">
               <a:extLst>
                 <a:ext uri="{FF2B5EF4-FFF2-40B4-BE49-F238E27FC236}">
-                  <a16:creationId xmlns:a16="http://schemas.microsoft.com/office/drawing/2014/main" id="{44E302B7-712A-212B-D8D3-C18863961B72}"/>
+                  <a16:creationId xmlns:a16="http://schemas.microsoft.com/office/drawing/2014/main" id="{A64F8AA3-311D-3132-3E5C-15A16462E4C1}"/>
                 </a:ext>
               </a:extLst>
             </p:cNvPr>
-            <p:cNvCxnSpPr>
-              <a:cxnSpLocks/>
-            </p:cNvCxnSpPr>
-            <p:nvPr/>
-          </p:nvCxnSpPr>
-          <p:spPr>
-            <a:xfrm>
-              <a:off x="3666602" y="2164627"/>
-              <a:ext cx="285752" cy="0"/>
-            </a:xfrm>
-            <a:prstGeom prst="straightConnector1">
-              <a:avLst/>
-            </a:prstGeom>
-            <a:ln w="44450">
-              <a:solidFill>
-                <a:srgbClr val="FF0000"/>
-              </a:solidFill>
-              <a:tailEnd type="triangle"/>
-            </a:ln>
-          </p:spPr>
-          <p:style>
-            <a:lnRef idx="1">
-              <a:schemeClr val="accent1"/>
-            </a:lnRef>
-            <a:fillRef idx="0">
-              <a:schemeClr val="accent1"/>
-            </a:fillRef>
-            <a:effectRef idx="0">
-              <a:schemeClr val="accent1"/>
-            </a:effectRef>
-            <a:fontRef idx="minor">
-              <a:schemeClr val="tx1"/>
-            </a:fontRef>
-          </p:style>
-        </p:cxnSp>
-        <p:cxnSp>
-          <p:nvCxnSpPr>
-            <p:cNvPr id="58" name="Gerade Verbindung mit Pfeil 57">
-              <a:extLst>
-                <a:ext uri="{FF2B5EF4-FFF2-40B4-BE49-F238E27FC236}">
-                  <a16:creationId xmlns:a16="http://schemas.microsoft.com/office/drawing/2014/main" id="{752061CB-2AD0-44C0-8A05-6337235FE26D}"/>
-                </a:ext>
-              </a:extLst>
-            </p:cNvPr>
-            <p:cNvCxnSpPr>
-              <a:cxnSpLocks/>
-            </p:cNvCxnSpPr>
-            <p:nvPr/>
-          </p:nvCxnSpPr>
-          <p:spPr>
-            <a:xfrm>
-              <a:off x="3665177" y="3077602"/>
-              <a:ext cx="285752" cy="0"/>
-            </a:xfrm>
-            <a:prstGeom prst="straightConnector1">
-              <a:avLst/>
-            </a:prstGeom>
-            <a:ln w="44450">
-              <a:solidFill>
-                <a:srgbClr val="FF0000"/>
-              </a:solidFill>
-              <a:tailEnd type="triangle"/>
-            </a:ln>
-          </p:spPr>
-          <p:style>
-            <a:lnRef idx="1">
-              <a:schemeClr val="accent1"/>
-            </a:lnRef>
-            <a:fillRef idx="0">
-              <a:schemeClr val="accent1"/>
-            </a:fillRef>
-            <a:effectRef idx="0">
-              <a:schemeClr val="accent1"/>
-            </a:effectRef>
-            <a:fontRef idx="minor">
-              <a:schemeClr val="tx1"/>
-            </a:fontRef>
-          </p:style>
-        </p:cxnSp>
-        <p:cxnSp>
-          <p:nvCxnSpPr>
-            <p:cNvPr id="59" name="Gerader Verbinder 58">
-              <a:extLst>
-                <a:ext uri="{FF2B5EF4-FFF2-40B4-BE49-F238E27FC236}">
-                  <a16:creationId xmlns:a16="http://schemas.microsoft.com/office/drawing/2014/main" id="{7BDF9EA2-F355-777B-5443-85EF2E633CF5}"/>
-                </a:ext>
-              </a:extLst>
-            </p:cNvPr>
-            <p:cNvCxnSpPr>
-              <a:cxnSpLocks/>
-            </p:cNvCxnSpPr>
-            <p:nvPr/>
-          </p:nvCxnSpPr>
-          <p:spPr>
-            <a:xfrm>
-              <a:off x="3666602" y="2152609"/>
-              <a:ext cx="8015" cy="1580477"/>
-            </a:xfrm>
-            <a:prstGeom prst="line">
-              <a:avLst/>
-            </a:prstGeom>
-            <a:ln w="44450">
-              <a:solidFill>
-                <a:srgbClr val="FF0000"/>
-              </a:solidFill>
-            </a:ln>
-          </p:spPr>
-          <p:style>
-            <a:lnRef idx="1">
-              <a:schemeClr val="accent1"/>
-            </a:lnRef>
-            <a:fillRef idx="0">
-              <a:schemeClr val="accent1"/>
-            </a:fillRef>
-            <a:effectRef idx="0">
-              <a:schemeClr val="accent1"/>
-            </a:effectRef>
-            <a:fontRef idx="minor">
-              <a:schemeClr val="tx1"/>
-            </a:fontRef>
-          </p:style>
-        </p:cxnSp>
-        <p:cxnSp>
-          <p:nvCxnSpPr>
-            <p:cNvPr id="61" name="Gerade Verbindung mit Pfeil 60">
-              <a:extLst>
-                <a:ext uri="{FF2B5EF4-FFF2-40B4-BE49-F238E27FC236}">
-                  <a16:creationId xmlns:a16="http://schemas.microsoft.com/office/drawing/2014/main" id="{0AC42F87-7016-80E8-089E-A732D3BC31BE}"/>
-                </a:ext>
-              </a:extLst>
-            </p:cNvPr>
-            <p:cNvCxnSpPr>
-              <a:cxnSpLocks/>
-            </p:cNvCxnSpPr>
-            <p:nvPr/>
-          </p:nvCxnSpPr>
-          <p:spPr>
-            <a:xfrm>
-              <a:off x="7230204" y="2157750"/>
-              <a:ext cx="285752" cy="0"/>
-            </a:xfrm>
-            <a:prstGeom prst="straightConnector1">
-              <a:avLst/>
-            </a:prstGeom>
-            <a:ln w="44450">
-              <a:solidFill>
-                <a:srgbClr val="002060"/>
-              </a:solidFill>
-              <a:tailEnd type="triangle"/>
-            </a:ln>
-          </p:spPr>
-          <p:style>
-            <a:lnRef idx="1">
-              <a:schemeClr val="accent1"/>
-            </a:lnRef>
-            <a:fillRef idx="0">
-              <a:schemeClr val="accent1"/>
-            </a:fillRef>
-            <a:effectRef idx="0">
-              <a:schemeClr val="accent1"/>
-            </a:effectRef>
-            <a:fontRef idx="minor">
-              <a:schemeClr val="tx1"/>
-            </a:fontRef>
-          </p:style>
-        </p:cxnSp>
-        <p:cxnSp>
-          <p:nvCxnSpPr>
-            <p:cNvPr id="62" name="Gerade Verbindung mit Pfeil 61">
-              <a:extLst>
-                <a:ext uri="{FF2B5EF4-FFF2-40B4-BE49-F238E27FC236}">
-                  <a16:creationId xmlns:a16="http://schemas.microsoft.com/office/drawing/2014/main" id="{C45C744E-8E07-8FDC-C812-823DED84D8AA}"/>
-                </a:ext>
-              </a:extLst>
-            </p:cNvPr>
-            <p:cNvCxnSpPr>
-              <a:cxnSpLocks/>
-            </p:cNvCxnSpPr>
-            <p:nvPr/>
-          </p:nvCxnSpPr>
-          <p:spPr>
-            <a:xfrm>
-              <a:off x="7228779" y="3070725"/>
-              <a:ext cx="285752" cy="0"/>
-            </a:xfrm>
-            <a:prstGeom prst="straightConnector1">
-              <a:avLst/>
-            </a:prstGeom>
-            <a:ln w="44450">
-              <a:solidFill>
-                <a:srgbClr val="002060"/>
-              </a:solidFill>
-              <a:tailEnd type="triangle"/>
-            </a:ln>
-          </p:spPr>
-          <p:style>
-            <a:lnRef idx="1">
-              <a:schemeClr val="accent1"/>
-            </a:lnRef>
-            <a:fillRef idx="0">
-              <a:schemeClr val="accent1"/>
-            </a:fillRef>
-            <a:effectRef idx="0">
-              <a:schemeClr val="accent1"/>
-            </a:effectRef>
-            <a:fontRef idx="minor">
-              <a:schemeClr val="tx1"/>
-            </a:fontRef>
-          </p:style>
-        </p:cxnSp>
-        <p:cxnSp>
-          <p:nvCxnSpPr>
-            <p:cNvPr id="63" name="Gerader Verbinder 62">
-              <a:extLst>
-                <a:ext uri="{FF2B5EF4-FFF2-40B4-BE49-F238E27FC236}">
-                  <a16:creationId xmlns:a16="http://schemas.microsoft.com/office/drawing/2014/main" id="{B9E2DFC0-DA57-5FD7-515A-B7E4042689B6}"/>
-                </a:ext>
-              </a:extLst>
-            </p:cNvPr>
-            <p:cNvCxnSpPr>
-              <a:cxnSpLocks/>
-            </p:cNvCxnSpPr>
-            <p:nvPr/>
-          </p:nvCxnSpPr>
-          <p:spPr>
-            <a:xfrm>
-              <a:off x="7230204" y="2145732"/>
-              <a:ext cx="0" cy="1587354"/>
-            </a:xfrm>
-            <a:prstGeom prst="line">
-              <a:avLst/>
-            </a:prstGeom>
-            <a:ln w="44450">
-              <a:solidFill>
-                <a:srgbClr val="002060"/>
-              </a:solidFill>
-            </a:ln>
-          </p:spPr>
-          <p:style>
-            <a:lnRef idx="1">
-              <a:schemeClr val="accent1"/>
-            </a:lnRef>
-            <a:fillRef idx="0">
-              <a:schemeClr val="accent1"/>
-            </a:fillRef>
-            <a:effectRef idx="0">
-              <a:schemeClr val="accent1"/>
-            </a:effectRef>
-            <a:fontRef idx="minor">
-              <a:schemeClr val="tx1"/>
-            </a:fontRef>
-          </p:style>
-        </p:cxnSp>
-        <p:cxnSp>
-          <p:nvCxnSpPr>
-            <p:cNvPr id="65" name="Gerader Verbinder 64">
-              <a:extLst>
-                <a:ext uri="{FF2B5EF4-FFF2-40B4-BE49-F238E27FC236}">
-                  <a16:creationId xmlns:a16="http://schemas.microsoft.com/office/drawing/2014/main" id="{E0E1AA4B-9524-3A29-1F57-BBD10B7E69FB}"/>
-                </a:ext>
-              </a:extLst>
-            </p:cNvPr>
-            <p:cNvCxnSpPr>
-              <a:cxnSpLocks/>
-            </p:cNvCxnSpPr>
+            <p:cNvCxnSpPr/>
             <p:nvPr/>
           </p:nvCxnSpPr>
           <p:spPr>
             <a:xfrm flipV="1">
-              <a:off x="2729877" y="3729494"/>
-              <a:ext cx="944740" cy="3592"/>
+              <a:off x="3945234" y="2152609"/>
+              <a:ext cx="165825" cy="123823"/>
             </a:xfrm>
             <a:prstGeom prst="line">
               <a:avLst/>
@@ -8200,12 +8905,55 @@
             </a:fontRef>
           </p:style>
         </p:cxnSp>
+        <p:cxnSp>
+          <p:nvCxnSpPr>
+            <p:cNvPr id="14" name="Gerader Verbinder 13">
+              <a:extLst>
+                <a:ext uri="{FF2B5EF4-FFF2-40B4-BE49-F238E27FC236}">
+                  <a16:creationId xmlns:a16="http://schemas.microsoft.com/office/drawing/2014/main" id="{5454E97A-5151-0CD7-C305-441AEC61A775}"/>
+                </a:ext>
+              </a:extLst>
+            </p:cNvPr>
+            <p:cNvCxnSpPr>
+              <a:cxnSpLocks/>
+            </p:cNvCxnSpPr>
+            <p:nvPr/>
+          </p:nvCxnSpPr>
+          <p:spPr>
+            <a:xfrm>
+              <a:off x="3945234" y="2084242"/>
+              <a:ext cx="152400" cy="68367"/>
+            </a:xfrm>
+            <a:prstGeom prst="line">
+              <a:avLst/>
+            </a:prstGeom>
+            <a:ln>
+              <a:solidFill>
+                <a:schemeClr val="tx1"/>
+              </a:solidFill>
+            </a:ln>
+          </p:spPr>
+          <p:style>
+            <a:lnRef idx="1">
+              <a:schemeClr val="accent1"/>
+            </a:lnRef>
+            <a:fillRef idx="0">
+              <a:schemeClr val="accent1"/>
+            </a:fillRef>
+            <a:effectRef idx="0">
+              <a:schemeClr val="accent1"/>
+            </a:effectRef>
+            <a:fontRef idx="minor">
+              <a:schemeClr val="tx1"/>
+            </a:fontRef>
+          </p:style>
+        </p:cxnSp>
         <p:sp>
           <p:nvSpPr>
-            <p:cNvPr id="68" name="Textfeld 67">
+            <p:cNvPr id="32" name="Textfeld 31">
               <a:extLst>
                 <a:ext uri="{FF2B5EF4-FFF2-40B4-BE49-F238E27FC236}">
-                  <a16:creationId xmlns:a16="http://schemas.microsoft.com/office/drawing/2014/main" id="{AD0A6766-77AC-4E24-75F7-68497212E622}"/>
+                  <a16:creationId xmlns:a16="http://schemas.microsoft.com/office/drawing/2014/main" id="{038EC413-016E-FD35-BDFC-7A7D6B004529}"/>
                 </a:ext>
               </a:extLst>
             </p:cNvPr>
@@ -8214,8 +8962,8 @@
           </p:nvSpPr>
           <p:spPr>
             <a:xfrm>
-              <a:off x="2699684" y="3452495"/>
-              <a:ext cx="356188" cy="276999"/>
+              <a:off x="4067367" y="1933759"/>
+              <a:ext cx="264816" cy="369332"/>
             </a:xfrm>
             <a:prstGeom prst="rect">
               <a:avLst/>
@@ -8229,19 +8977,40 @@
             <a:lstStyle/>
             <a:p>
               <a:r>
-                <a:rPr lang="de-DE" sz="1200" dirty="0" err="1"/>
-                <a:t>clk</a:t>
+                <a:rPr lang="de-DE" dirty="0"/>
+                <a:t>r</a:t>
               </a:r>
-              <a:endParaRPr lang="en-US" sz="1200" dirty="0"/>
+              <a:endParaRPr lang="en-US" dirty="0"/>
             </a:p>
           </p:txBody>
         </p:sp>
+      </p:grpSp>
+      <p:grpSp>
+        <p:nvGrpSpPr>
+          <p:cNvPr id="33" name="Gruppieren 32">
+            <a:extLst>
+              <a:ext uri="{FF2B5EF4-FFF2-40B4-BE49-F238E27FC236}">
+                <a16:creationId xmlns:a16="http://schemas.microsoft.com/office/drawing/2014/main" id="{5AE15624-B932-7534-7E08-CC83CC736231}"/>
+              </a:ext>
+            </a:extLst>
+          </p:cNvPr>
+          <p:cNvGrpSpPr/>
+          <p:nvPr/>
+        </p:nvGrpSpPr>
+        <p:grpSpPr>
+          <a:xfrm>
+            <a:off x="7516530" y="2561781"/>
+            <a:ext cx="386949" cy="649229"/>
+            <a:chOff x="3945234" y="1653862"/>
+            <a:chExt cx="386949" cy="649229"/>
+          </a:xfrm>
+        </p:grpSpPr>
         <p:sp>
           <p:nvSpPr>
-            <p:cNvPr id="82" name="Rechteck 81">
+            <p:cNvPr id="34" name="Rechteck 33">
               <a:extLst>
                 <a:ext uri="{FF2B5EF4-FFF2-40B4-BE49-F238E27FC236}">
-                  <a16:creationId xmlns:a16="http://schemas.microsoft.com/office/drawing/2014/main" id="{A3F3E996-CC8A-23F5-F239-5EFC0698EC11}"/>
+                  <a16:creationId xmlns:a16="http://schemas.microsoft.com/office/drawing/2014/main" id="{7CFA7522-1698-D370-1E66-4022C9878B7A}"/>
                 </a:ext>
               </a:extLst>
             </p:cNvPr>
@@ -8250,13 +9019,15 @@
           </p:nvSpPr>
           <p:spPr>
             <a:xfrm>
-              <a:off x="6238594" y="1129393"/>
-              <a:ext cx="2661486" cy="3004862"/>
+              <a:off x="3945234" y="1653862"/>
+              <a:ext cx="356681" cy="622570"/>
             </a:xfrm>
             <a:prstGeom prst="rect">
               <a:avLst/>
             </a:prstGeom>
-            <a:noFill/>
+            <a:solidFill>
+              <a:srgbClr val="FFFF00"/>
+            </a:solidFill>
             <a:ln>
               <a:solidFill>
                 <a:schemeClr val="tx1"/>
@@ -8284,16 +9055,100 @@
             <a:lstStyle/>
             <a:p>
               <a:pPr algn="ctr"/>
-              <a:endParaRPr lang="en-US"/>
+              <a:endParaRPr lang="en-US" dirty="0"/>
             </a:p>
           </p:txBody>
         </p:sp>
+        <p:cxnSp>
+          <p:nvCxnSpPr>
+            <p:cNvPr id="37" name="Gerader Verbinder 36">
+              <a:extLst>
+                <a:ext uri="{FF2B5EF4-FFF2-40B4-BE49-F238E27FC236}">
+                  <a16:creationId xmlns:a16="http://schemas.microsoft.com/office/drawing/2014/main" id="{E7174020-23BE-9295-B899-C58CAE1D1652}"/>
+                </a:ext>
+              </a:extLst>
+            </p:cNvPr>
+            <p:cNvCxnSpPr/>
+            <p:nvPr/>
+          </p:nvCxnSpPr>
+          <p:spPr>
+            <a:xfrm flipV="1">
+              <a:off x="3945234" y="2152609"/>
+              <a:ext cx="165825" cy="123823"/>
+            </a:xfrm>
+            <a:prstGeom prst="line">
+              <a:avLst/>
+            </a:prstGeom>
+            <a:ln>
+              <a:solidFill>
+                <a:schemeClr val="tx1"/>
+              </a:solidFill>
+            </a:ln>
+          </p:spPr>
+          <p:style>
+            <a:lnRef idx="1">
+              <a:schemeClr val="accent1"/>
+            </a:lnRef>
+            <a:fillRef idx="0">
+              <a:schemeClr val="accent1"/>
+            </a:fillRef>
+            <a:effectRef idx="0">
+              <a:schemeClr val="accent1"/>
+            </a:effectRef>
+            <a:fontRef idx="minor">
+              <a:schemeClr val="tx1"/>
+            </a:fontRef>
+          </p:style>
+        </p:cxnSp>
+        <p:cxnSp>
+          <p:nvCxnSpPr>
+            <p:cNvPr id="38" name="Gerader Verbinder 37">
+              <a:extLst>
+                <a:ext uri="{FF2B5EF4-FFF2-40B4-BE49-F238E27FC236}">
+                  <a16:creationId xmlns:a16="http://schemas.microsoft.com/office/drawing/2014/main" id="{FFD026D5-7488-F911-EB1F-D58C95067137}"/>
+                </a:ext>
+              </a:extLst>
+            </p:cNvPr>
+            <p:cNvCxnSpPr>
+              <a:cxnSpLocks/>
+            </p:cNvCxnSpPr>
+            <p:nvPr/>
+          </p:nvCxnSpPr>
+          <p:spPr>
+            <a:xfrm>
+              <a:off x="3945234" y="2084242"/>
+              <a:ext cx="152400" cy="68367"/>
+            </a:xfrm>
+            <a:prstGeom prst="line">
+              <a:avLst/>
+            </a:prstGeom>
+            <a:ln>
+              <a:solidFill>
+                <a:schemeClr val="tx1"/>
+              </a:solidFill>
+            </a:ln>
+          </p:spPr>
+          <p:style>
+            <a:lnRef idx="1">
+              <a:schemeClr val="accent1"/>
+            </a:lnRef>
+            <a:fillRef idx="0">
+              <a:schemeClr val="accent1"/>
+            </a:fillRef>
+            <a:effectRef idx="0">
+              <a:schemeClr val="accent1"/>
+            </a:effectRef>
+            <a:fontRef idx="minor">
+              <a:schemeClr val="tx1"/>
+            </a:fontRef>
+          </p:style>
+        </p:cxnSp>
         <p:sp>
           <p:nvSpPr>
-            <p:cNvPr id="83" name="Textfeld 82">
+            <p:cNvPr id="41" name="Textfeld 40">
               <a:extLst>
                 <a:ext uri="{FF2B5EF4-FFF2-40B4-BE49-F238E27FC236}">
-                  <a16:creationId xmlns:a16="http://schemas.microsoft.com/office/drawing/2014/main" id="{A86679F3-F204-6393-C75B-4455BEE9BE48}"/>
+                  <a16:creationId xmlns:a16="http://schemas.microsoft.com/office/drawing/2014/main" id="{5213C7D9-DBB6-8FCE-FB93-7FE4534CABDB}"/>
                 </a:ext>
               </a:extLst>
             </p:cNvPr>
@@ -8302,8 +9157,8 @@
           </p:nvSpPr>
           <p:spPr>
             <a:xfrm>
-              <a:off x="7897924" y="3812762"/>
-              <a:ext cx="822533" cy="276999"/>
+              <a:off x="4067367" y="1933759"/>
+              <a:ext cx="264816" cy="369332"/>
             </a:xfrm>
             <a:prstGeom prst="rect">
               <a:avLst/>
@@ -8317,987 +9172,112 @@
             <a:lstStyle/>
             <a:p>
               <a:r>
-                <a:rPr lang="de-DE" sz="1200" dirty="0"/>
-                <a:t>USER </a:t>
+                <a:rPr lang="de-DE" dirty="0"/>
+                <a:t>r</a:t>
               </a:r>
-              <a:r>
-                <a:rPr lang="de-DE" sz="1200" dirty="0" err="1"/>
-                <a:t>core</a:t>
-              </a:r>
-              <a:endParaRPr lang="en-US" sz="1200" dirty="0"/>
-            </a:p>
-          </p:txBody>
-        </p:sp>
-        <p:sp>
-          <p:nvSpPr>
-            <p:cNvPr id="84" name="Rechteck 83">
-              <a:extLst>
-                <a:ext uri="{FF2B5EF4-FFF2-40B4-BE49-F238E27FC236}">
-                  <a16:creationId xmlns:a16="http://schemas.microsoft.com/office/drawing/2014/main" id="{51C35A04-0349-80A1-8948-98C459910481}"/>
-                </a:ext>
-              </a:extLst>
-            </p:cNvPr>
-            <p:cNvSpPr/>
-            <p:nvPr/>
-          </p:nvSpPr>
-          <p:spPr>
-            <a:xfrm>
-              <a:off x="2444125" y="1114082"/>
-              <a:ext cx="2123168" cy="3020173"/>
-            </a:xfrm>
-            <a:prstGeom prst="rect">
-              <a:avLst/>
-            </a:prstGeom>
-            <a:noFill/>
-            <a:ln>
-              <a:solidFill>
-                <a:schemeClr val="tx1"/>
-              </a:solidFill>
-            </a:ln>
-          </p:spPr>
-          <p:style>
-            <a:lnRef idx="2">
-              <a:schemeClr val="accent1">
-                <a:shade val="50000"/>
-              </a:schemeClr>
-            </a:lnRef>
-            <a:fillRef idx="1">
-              <a:schemeClr val="accent1"/>
-            </a:fillRef>
-            <a:effectRef idx="0">
-              <a:schemeClr val="accent1"/>
-            </a:effectRef>
-            <a:fontRef idx="minor">
-              <a:schemeClr val="lt1"/>
-            </a:fontRef>
-          </p:style>
-          <p:txBody>
-            <a:bodyPr rtlCol="0" anchor="ctr"/>
-            <a:lstStyle/>
-            <a:p>
-              <a:pPr algn="ctr"/>
-              <a:endParaRPr lang="en-US"/>
-            </a:p>
-          </p:txBody>
-        </p:sp>
-        <p:sp>
-          <p:nvSpPr>
-            <p:cNvPr id="85" name="Textfeld 84">
-              <a:extLst>
-                <a:ext uri="{FF2B5EF4-FFF2-40B4-BE49-F238E27FC236}">
-                  <a16:creationId xmlns:a16="http://schemas.microsoft.com/office/drawing/2014/main" id="{F891E938-0E1A-6136-BE6F-EA98DBFB0AC3}"/>
-                </a:ext>
-              </a:extLst>
-            </p:cNvPr>
-            <p:cNvSpPr txBox="1"/>
-            <p:nvPr/>
-          </p:nvSpPr>
-          <p:spPr>
-            <a:xfrm>
-              <a:off x="2438288" y="1129393"/>
-              <a:ext cx="929935" cy="276999"/>
-            </a:xfrm>
-            <a:prstGeom prst="rect">
-              <a:avLst/>
-            </a:prstGeom>
-            <a:noFill/>
-          </p:spPr>
-          <p:txBody>
-            <a:bodyPr wrap="none" rtlCol="0">
-              <a:spAutoFit/>
-            </a:bodyPr>
-            <a:lstStyle/>
-            <a:p>
-              <a:r>
-                <a:rPr lang="de-DE" sz="1200" dirty="0"/>
-                <a:t>MGMT </a:t>
-              </a:r>
-              <a:r>
-                <a:rPr lang="de-DE" sz="1200" dirty="0" err="1"/>
-                <a:t>core</a:t>
-              </a:r>
-              <a:endParaRPr lang="en-US" sz="1200" dirty="0"/>
-            </a:p>
-          </p:txBody>
-        </p:sp>
-        <p:cxnSp>
-          <p:nvCxnSpPr>
-            <p:cNvPr id="88" name="Gerader Verbinder 87">
-              <a:extLst>
-                <a:ext uri="{FF2B5EF4-FFF2-40B4-BE49-F238E27FC236}">
-                  <a16:creationId xmlns:a16="http://schemas.microsoft.com/office/drawing/2014/main" id="{47912AB8-5B09-28FE-3DEC-AD0FCB87197A}"/>
-                </a:ext>
-              </a:extLst>
-            </p:cNvPr>
-            <p:cNvCxnSpPr>
-              <a:cxnSpLocks/>
-            </p:cNvCxnSpPr>
-            <p:nvPr/>
-          </p:nvCxnSpPr>
-          <p:spPr>
-            <a:xfrm>
-              <a:off x="4567293" y="3729494"/>
-              <a:ext cx="2661486" cy="0"/>
-            </a:xfrm>
-            <a:prstGeom prst="line">
-              <a:avLst/>
-            </a:prstGeom>
-            <a:ln w="44450">
-              <a:solidFill>
-                <a:srgbClr val="002060"/>
-              </a:solidFill>
-            </a:ln>
-          </p:spPr>
-          <p:style>
-            <a:lnRef idx="1">
-              <a:schemeClr val="accent1"/>
-            </a:lnRef>
-            <a:fillRef idx="0">
-              <a:schemeClr val="accent1"/>
-            </a:fillRef>
-            <a:effectRef idx="0">
-              <a:schemeClr val="accent1"/>
-            </a:effectRef>
-            <a:fontRef idx="minor">
-              <a:schemeClr val="tx1"/>
-            </a:fontRef>
-          </p:style>
-        </p:cxnSp>
-        <p:cxnSp>
-          <p:nvCxnSpPr>
-            <p:cNvPr id="91" name="Gerader Verbinder 90">
-              <a:extLst>
-                <a:ext uri="{FF2B5EF4-FFF2-40B4-BE49-F238E27FC236}">
-                  <a16:creationId xmlns:a16="http://schemas.microsoft.com/office/drawing/2014/main" id="{855C3438-B23E-68CA-8C6B-0823884D40F9}"/>
-                </a:ext>
-              </a:extLst>
-            </p:cNvPr>
-            <p:cNvCxnSpPr>
-              <a:cxnSpLocks/>
-            </p:cNvCxnSpPr>
-            <p:nvPr/>
-          </p:nvCxnSpPr>
-          <p:spPr>
-            <a:xfrm>
-              <a:off x="3674617" y="3729494"/>
-              <a:ext cx="892676" cy="0"/>
-            </a:xfrm>
-            <a:prstGeom prst="line">
-              <a:avLst/>
-            </a:prstGeom>
-            <a:ln w="44450">
-              <a:solidFill>
-                <a:srgbClr val="00B050"/>
-              </a:solidFill>
-            </a:ln>
-          </p:spPr>
-          <p:style>
-            <a:lnRef idx="1">
-              <a:schemeClr val="accent1"/>
-            </a:lnRef>
-            <a:fillRef idx="0">
-              <a:schemeClr val="accent1"/>
-            </a:fillRef>
-            <a:effectRef idx="0">
-              <a:schemeClr val="accent1"/>
-            </a:effectRef>
-            <a:fontRef idx="minor">
-              <a:schemeClr val="tx1"/>
-            </a:fontRef>
-          </p:style>
-        </p:cxnSp>
-        <p:sp>
-          <p:nvSpPr>
-            <p:cNvPr id="94" name="Textfeld 93">
-              <a:extLst>
-                <a:ext uri="{FF2B5EF4-FFF2-40B4-BE49-F238E27FC236}">
-                  <a16:creationId xmlns:a16="http://schemas.microsoft.com/office/drawing/2014/main" id="{079DF9D0-2987-9677-2B3E-D123F7B8C683}"/>
-                </a:ext>
-              </a:extLst>
-            </p:cNvPr>
-            <p:cNvSpPr txBox="1"/>
-            <p:nvPr/>
-          </p:nvSpPr>
-          <p:spPr>
-            <a:xfrm>
-              <a:off x="3158494" y="2397428"/>
-              <a:ext cx="495649" cy="276999"/>
-            </a:xfrm>
-            <a:prstGeom prst="rect">
-              <a:avLst/>
-            </a:prstGeom>
-            <a:noFill/>
-          </p:spPr>
-          <p:txBody>
-            <a:bodyPr wrap="none" rtlCol="0">
-              <a:spAutoFit/>
-            </a:bodyPr>
-            <a:lstStyle/>
-            <a:p>
-              <a:r>
-                <a:rPr lang="de-DE" sz="1200" dirty="0"/>
-                <a:t>ID-M</a:t>
-              </a:r>
-              <a:endParaRPr lang="en-US" sz="1200" dirty="0"/>
-            </a:p>
-          </p:txBody>
-        </p:sp>
-        <p:sp>
-          <p:nvSpPr>
-            <p:cNvPr id="95" name="Textfeld 94">
-              <a:extLst>
-                <a:ext uri="{FF2B5EF4-FFF2-40B4-BE49-F238E27FC236}">
-                  <a16:creationId xmlns:a16="http://schemas.microsoft.com/office/drawing/2014/main" id="{54332894-FDB2-F957-A4CE-9E688B9EB473}"/>
-                </a:ext>
-              </a:extLst>
-            </p:cNvPr>
-            <p:cNvSpPr txBox="1"/>
-            <p:nvPr/>
-          </p:nvSpPr>
-          <p:spPr>
-            <a:xfrm>
-              <a:off x="7262431" y="3327277"/>
-              <a:ext cx="463588" cy="276999"/>
-            </a:xfrm>
-            <a:prstGeom prst="rect">
-              <a:avLst/>
-            </a:prstGeom>
-            <a:noFill/>
-          </p:spPr>
-          <p:txBody>
-            <a:bodyPr wrap="none" rtlCol="0">
-              <a:spAutoFit/>
-            </a:bodyPr>
-            <a:lstStyle/>
-            <a:p>
-              <a:r>
-                <a:rPr lang="de-DE" sz="1200" dirty="0"/>
-                <a:t>ID-U</a:t>
-              </a:r>
-              <a:endParaRPr lang="en-US" sz="1200" dirty="0"/>
-            </a:p>
-          </p:txBody>
-        </p:sp>
-        <p:sp>
-          <p:nvSpPr>
-            <p:cNvPr id="96" name="Textfeld 95">
-              <a:extLst>
-                <a:ext uri="{FF2B5EF4-FFF2-40B4-BE49-F238E27FC236}">
-                  <a16:creationId xmlns:a16="http://schemas.microsoft.com/office/drawing/2014/main" id="{7EE260D5-DF0B-9BBE-61F0-192B0DC914B2}"/>
-                </a:ext>
-              </a:extLst>
-            </p:cNvPr>
-            <p:cNvSpPr txBox="1"/>
-            <p:nvPr/>
-          </p:nvSpPr>
-          <p:spPr>
-            <a:xfrm>
-              <a:off x="3825885" y="3454436"/>
-              <a:ext cx="466794" cy="276999"/>
-            </a:xfrm>
-            <a:prstGeom prst="rect">
-              <a:avLst/>
-            </a:prstGeom>
-            <a:noFill/>
-          </p:spPr>
-          <p:txBody>
-            <a:bodyPr wrap="none" rtlCol="0">
-              <a:spAutoFit/>
-            </a:bodyPr>
-            <a:lstStyle/>
-            <a:p>
-              <a:r>
-                <a:rPr lang="de-DE" sz="1200" dirty="0"/>
-                <a:t>ID-O</a:t>
-              </a:r>
-              <a:endParaRPr lang="en-US" sz="1200" dirty="0"/>
-            </a:p>
-          </p:txBody>
-        </p:sp>
-        <p:grpSp>
-          <p:nvGrpSpPr>
-            <p:cNvPr id="3" name="Gruppieren 2">
-              <a:extLst>
-                <a:ext uri="{FF2B5EF4-FFF2-40B4-BE49-F238E27FC236}">
-                  <a16:creationId xmlns:a16="http://schemas.microsoft.com/office/drawing/2014/main" id="{2F045FB9-D273-7FB8-4275-391B34BDD4B7}"/>
-                </a:ext>
-              </a:extLst>
-            </p:cNvPr>
-            <p:cNvGrpSpPr/>
-            <p:nvPr/>
-          </p:nvGrpSpPr>
-          <p:grpSpPr>
-            <a:xfrm>
-              <a:off x="3941988" y="2565017"/>
-              <a:ext cx="386949" cy="649229"/>
-              <a:chOff x="3945234" y="1653862"/>
-              <a:chExt cx="386949" cy="649229"/>
-            </a:xfrm>
-          </p:grpSpPr>
-          <p:sp>
-            <p:nvSpPr>
-              <p:cNvPr id="5" name="Rechteck 4">
-                <a:extLst>
-                  <a:ext uri="{FF2B5EF4-FFF2-40B4-BE49-F238E27FC236}">
-                    <a16:creationId xmlns:a16="http://schemas.microsoft.com/office/drawing/2014/main" id="{B40FA8BF-4731-FA8F-7BCA-5F77ACB00D1B}"/>
-                  </a:ext>
-                </a:extLst>
-              </p:cNvPr>
-              <p:cNvSpPr/>
-              <p:nvPr/>
-            </p:nvSpPr>
-            <p:spPr>
-              <a:xfrm>
-                <a:off x="3945234" y="1653862"/>
-                <a:ext cx="356681" cy="622570"/>
-              </a:xfrm>
-              <a:prstGeom prst="rect">
-                <a:avLst/>
-              </a:prstGeom>
-              <a:solidFill>
-                <a:srgbClr val="FFFF00"/>
-              </a:solidFill>
-              <a:ln>
-                <a:solidFill>
-                  <a:schemeClr val="tx1"/>
-                </a:solidFill>
-              </a:ln>
-            </p:spPr>
-            <p:style>
-              <a:lnRef idx="2">
-                <a:schemeClr val="accent1">
-                  <a:shade val="50000"/>
-                </a:schemeClr>
-              </a:lnRef>
-              <a:fillRef idx="1">
-                <a:schemeClr val="accent1"/>
-              </a:fillRef>
-              <a:effectRef idx="0">
-                <a:schemeClr val="accent1"/>
-              </a:effectRef>
-              <a:fontRef idx="minor">
-                <a:schemeClr val="lt1"/>
-              </a:fontRef>
-            </p:style>
-            <p:txBody>
-              <a:bodyPr rtlCol="0" anchor="ctr"/>
-              <a:lstStyle/>
-              <a:p>
-                <a:pPr algn="ctr"/>
-                <a:endParaRPr lang="en-US" dirty="0"/>
-              </a:p>
-            </p:txBody>
-          </p:sp>
-          <p:cxnSp>
-            <p:nvCxnSpPr>
-              <p:cNvPr id="8" name="Gerader Verbinder 7">
-                <a:extLst>
-                  <a:ext uri="{FF2B5EF4-FFF2-40B4-BE49-F238E27FC236}">
-                    <a16:creationId xmlns:a16="http://schemas.microsoft.com/office/drawing/2014/main" id="{1241ED0B-6F5F-09F8-5310-1D59E8EAA8DB}"/>
-                  </a:ext>
-                </a:extLst>
-              </p:cNvPr>
-              <p:cNvCxnSpPr/>
-              <p:nvPr/>
-            </p:nvCxnSpPr>
-            <p:spPr>
-              <a:xfrm flipV="1">
-                <a:off x="3945234" y="2152609"/>
-                <a:ext cx="165825" cy="123823"/>
-              </a:xfrm>
-              <a:prstGeom prst="line">
-                <a:avLst/>
-              </a:prstGeom>
-              <a:ln>
-                <a:solidFill>
-                  <a:schemeClr val="tx1"/>
-                </a:solidFill>
-              </a:ln>
-            </p:spPr>
-            <p:style>
-              <a:lnRef idx="1">
-                <a:schemeClr val="accent1"/>
-              </a:lnRef>
-              <a:fillRef idx="0">
-                <a:schemeClr val="accent1"/>
-              </a:fillRef>
-              <a:effectRef idx="0">
-                <a:schemeClr val="accent1"/>
-              </a:effectRef>
-              <a:fontRef idx="minor">
-                <a:schemeClr val="tx1"/>
-              </a:fontRef>
-            </p:style>
-          </p:cxnSp>
-          <p:cxnSp>
-            <p:nvCxnSpPr>
-              <p:cNvPr id="9" name="Gerader Verbinder 8">
-                <a:extLst>
-                  <a:ext uri="{FF2B5EF4-FFF2-40B4-BE49-F238E27FC236}">
-                    <a16:creationId xmlns:a16="http://schemas.microsoft.com/office/drawing/2014/main" id="{5BBF36A7-5EC1-2854-65EA-B00DAF19CD00}"/>
-                  </a:ext>
-                </a:extLst>
-              </p:cNvPr>
-              <p:cNvCxnSpPr>
-                <a:cxnSpLocks/>
-              </p:cNvCxnSpPr>
-              <p:nvPr/>
-            </p:nvCxnSpPr>
-            <p:spPr>
-              <a:xfrm>
-                <a:off x="3945234" y="2084242"/>
-                <a:ext cx="152400" cy="68367"/>
-              </a:xfrm>
-              <a:prstGeom prst="line">
-                <a:avLst/>
-              </a:prstGeom>
-              <a:ln>
-                <a:solidFill>
-                  <a:schemeClr val="tx1"/>
-                </a:solidFill>
-              </a:ln>
-            </p:spPr>
-            <p:style>
-              <a:lnRef idx="1">
-                <a:schemeClr val="accent1"/>
-              </a:lnRef>
-              <a:fillRef idx="0">
-                <a:schemeClr val="accent1"/>
-              </a:fillRef>
-              <a:effectRef idx="0">
-                <a:schemeClr val="accent1"/>
-              </a:effectRef>
-              <a:fontRef idx="minor">
-                <a:schemeClr val="tx1"/>
-              </a:fontRef>
-            </p:style>
-          </p:cxnSp>
-          <p:sp>
-            <p:nvSpPr>
-              <p:cNvPr id="10" name="Textfeld 9">
-                <a:extLst>
-                  <a:ext uri="{FF2B5EF4-FFF2-40B4-BE49-F238E27FC236}">
-                    <a16:creationId xmlns:a16="http://schemas.microsoft.com/office/drawing/2014/main" id="{1F8FAAA2-FC31-985E-732D-A5F751D3832B}"/>
-                  </a:ext>
-                </a:extLst>
-              </p:cNvPr>
-              <p:cNvSpPr txBox="1"/>
-              <p:nvPr/>
-            </p:nvSpPr>
-            <p:spPr>
-              <a:xfrm>
-                <a:off x="4067367" y="1933759"/>
-                <a:ext cx="264816" cy="369332"/>
-              </a:xfrm>
-              <a:prstGeom prst="rect">
-                <a:avLst/>
-              </a:prstGeom>
-              <a:noFill/>
-            </p:spPr>
-            <p:txBody>
-              <a:bodyPr wrap="none" rtlCol="0">
-                <a:spAutoFit/>
-              </a:bodyPr>
-              <a:lstStyle/>
-              <a:p>
-                <a:r>
-                  <a:rPr lang="de-DE" dirty="0"/>
-                  <a:t>r</a:t>
-                </a:r>
-                <a:endParaRPr lang="en-US" dirty="0"/>
-              </a:p>
-            </p:txBody>
-          </p:sp>
-        </p:grpSp>
-        <p:grpSp>
-          <p:nvGrpSpPr>
-            <p:cNvPr id="11" name="Gruppieren 10">
-              <a:extLst>
-                <a:ext uri="{FF2B5EF4-FFF2-40B4-BE49-F238E27FC236}">
-                  <a16:creationId xmlns:a16="http://schemas.microsoft.com/office/drawing/2014/main" id="{0D31220B-CA82-FC45-FF34-60A5FFA89859}"/>
-                </a:ext>
-              </a:extLst>
-            </p:cNvPr>
-            <p:cNvGrpSpPr/>
-            <p:nvPr/>
-          </p:nvGrpSpPr>
-          <p:grpSpPr>
-            <a:xfrm>
-              <a:off x="7519776" y="1650620"/>
-              <a:ext cx="386949" cy="649229"/>
-              <a:chOff x="3945234" y="1653862"/>
-              <a:chExt cx="386949" cy="649229"/>
-            </a:xfrm>
-          </p:grpSpPr>
-          <p:sp>
-            <p:nvSpPr>
-              <p:cNvPr id="12" name="Rechteck 11">
-                <a:extLst>
-                  <a:ext uri="{FF2B5EF4-FFF2-40B4-BE49-F238E27FC236}">
-                    <a16:creationId xmlns:a16="http://schemas.microsoft.com/office/drawing/2014/main" id="{EA3CDD6A-72B1-ABB5-F533-501C6B1B898E}"/>
-                  </a:ext>
-                </a:extLst>
-              </p:cNvPr>
-              <p:cNvSpPr/>
-              <p:nvPr/>
-            </p:nvSpPr>
-            <p:spPr>
-              <a:xfrm>
-                <a:off x="3945234" y="1653862"/>
-                <a:ext cx="356681" cy="622570"/>
-              </a:xfrm>
-              <a:prstGeom prst="rect">
-                <a:avLst/>
-              </a:prstGeom>
-              <a:solidFill>
-                <a:srgbClr val="FFFF00"/>
-              </a:solidFill>
-              <a:ln>
-                <a:solidFill>
-                  <a:schemeClr val="tx1"/>
-                </a:solidFill>
-              </a:ln>
-            </p:spPr>
-            <p:style>
-              <a:lnRef idx="2">
-                <a:schemeClr val="accent1">
-                  <a:shade val="50000"/>
-                </a:schemeClr>
-              </a:lnRef>
-              <a:fillRef idx="1">
-                <a:schemeClr val="accent1"/>
-              </a:fillRef>
-              <a:effectRef idx="0">
-                <a:schemeClr val="accent1"/>
-              </a:effectRef>
-              <a:fontRef idx="minor">
-                <a:schemeClr val="lt1"/>
-              </a:fontRef>
-            </p:style>
-            <p:txBody>
-              <a:bodyPr rtlCol="0" anchor="ctr"/>
-              <a:lstStyle/>
-              <a:p>
-                <a:pPr algn="ctr"/>
-                <a:endParaRPr lang="en-US" dirty="0"/>
-              </a:p>
-            </p:txBody>
-          </p:sp>
-          <p:cxnSp>
-            <p:nvCxnSpPr>
-              <p:cNvPr id="13" name="Gerader Verbinder 12">
-                <a:extLst>
-                  <a:ext uri="{FF2B5EF4-FFF2-40B4-BE49-F238E27FC236}">
-                    <a16:creationId xmlns:a16="http://schemas.microsoft.com/office/drawing/2014/main" id="{A64F8AA3-311D-3132-3E5C-15A16462E4C1}"/>
-                  </a:ext>
-                </a:extLst>
-              </p:cNvPr>
-              <p:cNvCxnSpPr/>
-              <p:nvPr/>
-            </p:nvCxnSpPr>
-            <p:spPr>
-              <a:xfrm flipV="1">
-                <a:off x="3945234" y="2152609"/>
-                <a:ext cx="165825" cy="123823"/>
-              </a:xfrm>
-              <a:prstGeom prst="line">
-                <a:avLst/>
-              </a:prstGeom>
-              <a:ln>
-                <a:solidFill>
-                  <a:schemeClr val="tx1"/>
-                </a:solidFill>
-              </a:ln>
-            </p:spPr>
-            <p:style>
-              <a:lnRef idx="1">
-                <a:schemeClr val="accent1"/>
-              </a:lnRef>
-              <a:fillRef idx="0">
-                <a:schemeClr val="accent1"/>
-              </a:fillRef>
-              <a:effectRef idx="0">
-                <a:schemeClr val="accent1"/>
-              </a:effectRef>
-              <a:fontRef idx="minor">
-                <a:schemeClr val="tx1"/>
-              </a:fontRef>
-            </p:style>
-          </p:cxnSp>
-          <p:cxnSp>
-            <p:nvCxnSpPr>
-              <p:cNvPr id="14" name="Gerader Verbinder 13">
-                <a:extLst>
-                  <a:ext uri="{FF2B5EF4-FFF2-40B4-BE49-F238E27FC236}">
-                    <a16:creationId xmlns:a16="http://schemas.microsoft.com/office/drawing/2014/main" id="{5454E97A-5151-0CD7-C305-441AEC61A775}"/>
-                  </a:ext>
-                </a:extLst>
-              </p:cNvPr>
-              <p:cNvCxnSpPr>
-                <a:cxnSpLocks/>
-              </p:cNvCxnSpPr>
-              <p:nvPr/>
-            </p:nvCxnSpPr>
-            <p:spPr>
-              <a:xfrm>
-                <a:off x="3945234" y="2084242"/>
-                <a:ext cx="152400" cy="68367"/>
-              </a:xfrm>
-              <a:prstGeom prst="line">
-                <a:avLst/>
-              </a:prstGeom>
-              <a:ln>
-                <a:solidFill>
-                  <a:schemeClr val="tx1"/>
-                </a:solidFill>
-              </a:ln>
-            </p:spPr>
-            <p:style>
-              <a:lnRef idx="1">
-                <a:schemeClr val="accent1"/>
-              </a:lnRef>
-              <a:fillRef idx="0">
-                <a:schemeClr val="accent1"/>
-              </a:fillRef>
-              <a:effectRef idx="0">
-                <a:schemeClr val="accent1"/>
-              </a:effectRef>
-              <a:fontRef idx="minor">
-                <a:schemeClr val="tx1"/>
-              </a:fontRef>
-            </p:style>
-          </p:cxnSp>
-          <p:sp>
-            <p:nvSpPr>
-              <p:cNvPr id="32" name="Textfeld 31">
-                <a:extLst>
-                  <a:ext uri="{FF2B5EF4-FFF2-40B4-BE49-F238E27FC236}">
-                    <a16:creationId xmlns:a16="http://schemas.microsoft.com/office/drawing/2014/main" id="{038EC413-016E-FD35-BDFC-7A7D6B004529}"/>
-                  </a:ext>
-                </a:extLst>
-              </p:cNvPr>
-              <p:cNvSpPr txBox="1"/>
-              <p:nvPr/>
-            </p:nvSpPr>
-            <p:spPr>
-              <a:xfrm>
-                <a:off x="4067367" y="1933759"/>
-                <a:ext cx="264816" cy="369332"/>
-              </a:xfrm>
-              <a:prstGeom prst="rect">
-                <a:avLst/>
-              </a:prstGeom>
-              <a:noFill/>
-            </p:spPr>
-            <p:txBody>
-              <a:bodyPr wrap="none" rtlCol="0">
-                <a:spAutoFit/>
-              </a:bodyPr>
-              <a:lstStyle/>
-              <a:p>
-                <a:r>
-                  <a:rPr lang="de-DE" dirty="0"/>
-                  <a:t>r</a:t>
-                </a:r>
-                <a:endParaRPr lang="en-US" dirty="0"/>
-              </a:p>
-            </p:txBody>
-          </p:sp>
-        </p:grpSp>
-        <p:grpSp>
-          <p:nvGrpSpPr>
-            <p:cNvPr id="33" name="Gruppieren 32">
-              <a:extLst>
-                <a:ext uri="{FF2B5EF4-FFF2-40B4-BE49-F238E27FC236}">
-                  <a16:creationId xmlns:a16="http://schemas.microsoft.com/office/drawing/2014/main" id="{5AE15624-B932-7534-7E08-CC83CC736231}"/>
-                </a:ext>
-              </a:extLst>
-            </p:cNvPr>
-            <p:cNvGrpSpPr/>
-            <p:nvPr/>
-          </p:nvGrpSpPr>
-          <p:grpSpPr>
-            <a:xfrm>
-              <a:off x="7516530" y="2561781"/>
-              <a:ext cx="386949" cy="649229"/>
-              <a:chOff x="3945234" y="1653862"/>
-              <a:chExt cx="386949" cy="649229"/>
-            </a:xfrm>
-          </p:grpSpPr>
-          <p:sp>
-            <p:nvSpPr>
-              <p:cNvPr id="34" name="Rechteck 33">
-                <a:extLst>
-                  <a:ext uri="{FF2B5EF4-FFF2-40B4-BE49-F238E27FC236}">
-                    <a16:creationId xmlns:a16="http://schemas.microsoft.com/office/drawing/2014/main" id="{7CFA7522-1698-D370-1E66-4022C9878B7A}"/>
-                  </a:ext>
-                </a:extLst>
-              </p:cNvPr>
-              <p:cNvSpPr/>
-              <p:nvPr/>
-            </p:nvSpPr>
-            <p:spPr>
-              <a:xfrm>
-                <a:off x="3945234" y="1653862"/>
-                <a:ext cx="356681" cy="622570"/>
-              </a:xfrm>
-              <a:prstGeom prst="rect">
-                <a:avLst/>
-              </a:prstGeom>
-              <a:solidFill>
-                <a:srgbClr val="FFFF00"/>
-              </a:solidFill>
-              <a:ln>
-                <a:solidFill>
-                  <a:schemeClr val="tx1"/>
-                </a:solidFill>
-              </a:ln>
-            </p:spPr>
-            <p:style>
-              <a:lnRef idx="2">
-                <a:schemeClr val="accent1">
-                  <a:shade val="50000"/>
-                </a:schemeClr>
-              </a:lnRef>
-              <a:fillRef idx="1">
-                <a:schemeClr val="accent1"/>
-              </a:fillRef>
-              <a:effectRef idx="0">
-                <a:schemeClr val="accent1"/>
-              </a:effectRef>
-              <a:fontRef idx="minor">
-                <a:schemeClr val="lt1"/>
-              </a:fontRef>
-            </p:style>
-            <p:txBody>
-              <a:bodyPr rtlCol="0" anchor="ctr"/>
-              <a:lstStyle/>
-              <a:p>
-                <a:pPr algn="ctr"/>
-                <a:endParaRPr lang="en-US" dirty="0"/>
-              </a:p>
-            </p:txBody>
-          </p:sp>
-          <p:cxnSp>
-            <p:nvCxnSpPr>
-              <p:cNvPr id="37" name="Gerader Verbinder 36">
-                <a:extLst>
-                  <a:ext uri="{FF2B5EF4-FFF2-40B4-BE49-F238E27FC236}">
-                    <a16:creationId xmlns:a16="http://schemas.microsoft.com/office/drawing/2014/main" id="{E7174020-23BE-9295-B899-C58CAE1D1652}"/>
-                  </a:ext>
-                </a:extLst>
-              </p:cNvPr>
-              <p:cNvCxnSpPr/>
-              <p:nvPr/>
-            </p:nvCxnSpPr>
-            <p:spPr>
-              <a:xfrm flipV="1">
-                <a:off x="3945234" y="2152609"/>
-                <a:ext cx="165825" cy="123823"/>
-              </a:xfrm>
-              <a:prstGeom prst="line">
-                <a:avLst/>
-              </a:prstGeom>
-              <a:ln>
-                <a:solidFill>
-                  <a:schemeClr val="tx1"/>
-                </a:solidFill>
-              </a:ln>
-            </p:spPr>
-            <p:style>
-              <a:lnRef idx="1">
-                <a:schemeClr val="accent1"/>
-              </a:lnRef>
-              <a:fillRef idx="0">
-                <a:schemeClr val="accent1"/>
-              </a:fillRef>
-              <a:effectRef idx="0">
-                <a:schemeClr val="accent1"/>
-              </a:effectRef>
-              <a:fontRef idx="minor">
-                <a:schemeClr val="tx1"/>
-              </a:fontRef>
-            </p:style>
-          </p:cxnSp>
-          <p:cxnSp>
-            <p:nvCxnSpPr>
-              <p:cNvPr id="38" name="Gerader Verbinder 37">
-                <a:extLst>
-                  <a:ext uri="{FF2B5EF4-FFF2-40B4-BE49-F238E27FC236}">
-                    <a16:creationId xmlns:a16="http://schemas.microsoft.com/office/drawing/2014/main" id="{FFD026D5-7488-F911-EB1F-D58C95067137}"/>
-                  </a:ext>
-                </a:extLst>
-              </p:cNvPr>
-              <p:cNvCxnSpPr>
-                <a:cxnSpLocks/>
-              </p:cNvCxnSpPr>
-              <p:nvPr/>
-            </p:nvCxnSpPr>
-            <p:spPr>
-              <a:xfrm>
-                <a:off x="3945234" y="2084242"/>
-                <a:ext cx="152400" cy="68367"/>
-              </a:xfrm>
-              <a:prstGeom prst="line">
-                <a:avLst/>
-              </a:prstGeom>
-              <a:ln>
-                <a:solidFill>
-                  <a:schemeClr val="tx1"/>
-                </a:solidFill>
-              </a:ln>
-            </p:spPr>
-            <p:style>
-              <a:lnRef idx="1">
-                <a:schemeClr val="accent1"/>
-              </a:lnRef>
-              <a:fillRef idx="0">
-                <a:schemeClr val="accent1"/>
-              </a:fillRef>
-              <a:effectRef idx="0">
-                <a:schemeClr val="accent1"/>
-              </a:effectRef>
-              <a:fontRef idx="minor">
-                <a:schemeClr val="tx1"/>
-              </a:fontRef>
-            </p:style>
-          </p:cxnSp>
-          <p:sp>
-            <p:nvSpPr>
-              <p:cNvPr id="41" name="Textfeld 40">
-                <a:extLst>
-                  <a:ext uri="{FF2B5EF4-FFF2-40B4-BE49-F238E27FC236}">
-                    <a16:creationId xmlns:a16="http://schemas.microsoft.com/office/drawing/2014/main" id="{5213C7D9-DBB6-8FCE-FB93-7FE4534CABDB}"/>
-                  </a:ext>
-                </a:extLst>
-              </p:cNvPr>
-              <p:cNvSpPr txBox="1"/>
-              <p:nvPr/>
-            </p:nvSpPr>
-            <p:spPr>
-              <a:xfrm>
-                <a:off x="4067367" y="1933759"/>
-                <a:ext cx="264816" cy="369332"/>
-              </a:xfrm>
-              <a:prstGeom prst="rect">
-                <a:avLst/>
-              </a:prstGeom>
-              <a:noFill/>
-            </p:spPr>
-            <p:txBody>
-              <a:bodyPr wrap="none" rtlCol="0">
-                <a:spAutoFit/>
-              </a:bodyPr>
-              <a:lstStyle/>
-              <a:p>
-                <a:r>
-                  <a:rPr lang="de-DE" dirty="0"/>
-                  <a:t>r</a:t>
-                </a:r>
-                <a:endParaRPr lang="en-US" dirty="0"/>
-              </a:p>
-            </p:txBody>
-          </p:sp>
-        </p:grpSp>
-        <p:sp>
-          <p:nvSpPr>
-            <p:cNvPr id="17" name="Gleichschenkliges Dreieck 16">
-              <a:extLst>
-                <a:ext uri="{FF2B5EF4-FFF2-40B4-BE49-F238E27FC236}">
-                  <a16:creationId xmlns:a16="http://schemas.microsoft.com/office/drawing/2014/main" id="{1C1EC519-E11E-B203-C6D0-6D54C2BB9618}"/>
-                </a:ext>
-              </a:extLst>
-            </p:cNvPr>
-            <p:cNvSpPr/>
-            <p:nvPr/>
-          </p:nvSpPr>
-          <p:spPr>
-            <a:xfrm rot="5400000">
-              <a:off x="6338229" y="3546391"/>
-              <a:ext cx="487208" cy="338331"/>
-            </a:xfrm>
-            <a:prstGeom prst="triangle">
-              <a:avLst/>
-            </a:prstGeom>
-            <a:solidFill>
-              <a:srgbClr val="7030A0"/>
-            </a:solidFill>
-          </p:spPr>
-          <p:style>
-            <a:lnRef idx="2">
-              <a:schemeClr val="accent1">
-                <a:shade val="50000"/>
-              </a:schemeClr>
-            </a:lnRef>
-            <a:fillRef idx="1">
-              <a:schemeClr val="accent1"/>
-            </a:fillRef>
-            <a:effectRef idx="0">
-              <a:schemeClr val="accent1"/>
-            </a:effectRef>
-            <a:fontRef idx="minor">
-              <a:schemeClr val="lt1"/>
-            </a:fontRef>
-          </p:style>
-          <p:txBody>
-            <a:bodyPr rtlCol="0" anchor="ctr"/>
-            <a:lstStyle/>
-            <a:p>
-              <a:pPr algn="ctr"/>
-              <a:endParaRPr lang="en-US"/>
-            </a:p>
-          </p:txBody>
-        </p:sp>
-        <p:sp>
-          <p:nvSpPr>
-            <p:cNvPr id="18" name="Ellipse 17">
-              <a:extLst>
-                <a:ext uri="{FF2B5EF4-FFF2-40B4-BE49-F238E27FC236}">
-                  <a16:creationId xmlns:a16="http://schemas.microsoft.com/office/drawing/2014/main" id="{C9C83E72-07F5-9087-8F5A-4B0C60B1D3D8}"/>
-                </a:ext>
-              </a:extLst>
-            </p:cNvPr>
-            <p:cNvSpPr/>
-            <p:nvPr/>
-          </p:nvSpPr>
-          <p:spPr>
-            <a:xfrm>
-              <a:off x="6734586" y="3575092"/>
-              <a:ext cx="230420" cy="266518"/>
-            </a:xfrm>
-            <a:prstGeom prst="ellipse">
-              <a:avLst/>
-            </a:prstGeom>
-            <a:solidFill>
-              <a:srgbClr val="7030A0"/>
-            </a:solidFill>
-          </p:spPr>
-          <p:style>
-            <a:lnRef idx="2">
-              <a:schemeClr val="accent1">
-                <a:shade val="50000"/>
-              </a:schemeClr>
-            </a:lnRef>
-            <a:fillRef idx="1">
-              <a:schemeClr val="accent1"/>
-            </a:fillRef>
-            <a:effectRef idx="0">
-              <a:schemeClr val="accent1"/>
-            </a:effectRef>
-            <a:fontRef idx="minor">
-              <a:schemeClr val="lt1"/>
-            </a:fontRef>
-          </p:style>
-          <p:txBody>
-            <a:bodyPr rtlCol="0" anchor="ctr"/>
-            <a:lstStyle/>
-            <a:p>
-              <a:pPr algn="ctr"/>
-              <a:endParaRPr lang="en-US"/>
+              <a:endParaRPr lang="en-US" dirty="0"/>
             </a:p>
           </p:txBody>
         </p:sp>
       </p:grpSp>
+      <p:sp>
+        <p:nvSpPr>
+          <p:cNvPr id="17" name="Gleichschenkliges Dreieck 16">
+            <a:extLst>
+              <a:ext uri="{FF2B5EF4-FFF2-40B4-BE49-F238E27FC236}">
+                <a16:creationId xmlns:a16="http://schemas.microsoft.com/office/drawing/2014/main" id="{1C1EC519-E11E-B203-C6D0-6D54C2BB9618}"/>
+              </a:ext>
+            </a:extLst>
+          </p:cNvPr>
+          <p:cNvSpPr/>
+          <p:nvPr/>
+        </p:nvSpPr>
+        <p:spPr>
+          <a:xfrm rot="5400000">
+            <a:off x="6338229" y="3546391"/>
+            <a:ext cx="487208" cy="338331"/>
+          </a:xfrm>
+          <a:prstGeom prst="triangle">
+            <a:avLst/>
+          </a:prstGeom>
+          <a:solidFill>
+            <a:srgbClr val="7030A0"/>
+          </a:solidFill>
+        </p:spPr>
+        <p:style>
+          <a:lnRef idx="2">
+            <a:schemeClr val="accent1">
+              <a:shade val="50000"/>
+            </a:schemeClr>
+          </a:lnRef>
+          <a:fillRef idx="1">
+            <a:schemeClr val="accent1"/>
+          </a:fillRef>
+          <a:effectRef idx="0">
+            <a:schemeClr val="accent1"/>
+          </a:effectRef>
+          <a:fontRef idx="minor">
+            <a:schemeClr val="lt1"/>
+          </a:fontRef>
+        </p:style>
+        <p:txBody>
+          <a:bodyPr rtlCol="0" anchor="ctr"/>
+          <a:lstStyle/>
+          <a:p>
+            <a:pPr algn="ctr"/>
+            <a:endParaRPr lang="en-US"/>
+          </a:p>
+        </p:txBody>
+      </p:sp>
+      <p:sp>
+        <p:nvSpPr>
+          <p:cNvPr id="18" name="Ellipse 17">
+            <a:extLst>
+              <a:ext uri="{FF2B5EF4-FFF2-40B4-BE49-F238E27FC236}">
+                <a16:creationId xmlns:a16="http://schemas.microsoft.com/office/drawing/2014/main" id="{C9C83E72-07F5-9087-8F5A-4B0C60B1D3D8}"/>
+              </a:ext>
+            </a:extLst>
+          </p:cNvPr>
+          <p:cNvSpPr/>
+          <p:nvPr/>
+        </p:nvSpPr>
+        <p:spPr>
+          <a:xfrm>
+            <a:off x="6734586" y="3575092"/>
+            <a:ext cx="230420" cy="266518"/>
+          </a:xfrm>
+          <a:prstGeom prst="ellipse">
+            <a:avLst/>
+          </a:prstGeom>
+          <a:solidFill>
+            <a:srgbClr val="7030A0"/>
+          </a:solidFill>
+        </p:spPr>
+        <p:style>
+          <a:lnRef idx="2">
+            <a:schemeClr val="accent1">
+              <a:shade val="50000"/>
+            </a:schemeClr>
+          </a:lnRef>
+          <a:fillRef idx="1">
+            <a:schemeClr val="accent1"/>
+          </a:fillRef>
+          <a:effectRef idx="0">
+            <a:schemeClr val="accent1"/>
+          </a:effectRef>
+          <a:fontRef idx="minor">
+            <a:schemeClr val="lt1"/>
+          </a:fontRef>
+        </p:style>
+        <p:txBody>
+          <a:bodyPr rtlCol="0" anchor="ctr"/>
+          <a:lstStyle/>
+          <a:p>
+            <a:pPr algn="ctr"/>
+            <a:endParaRPr lang="en-US" dirty="0"/>
+          </a:p>
+        </p:txBody>
+      </p:sp>
     </p:spTree>
     <p:extLst>
       <p:ext uri="{BB962C8B-B14F-4D97-AF65-F5344CB8AC3E}">
@@ -11880,6 +11860,1368 @@
 </p:sld>
 </file>
 
+<file path=ppt/slides/slide5.xml><?xml version="1.0" encoding="utf-8"?>
+<p:sld xmlns:a="http://schemas.openxmlformats.org/drawingml/2006/main" xmlns:r="http://schemas.openxmlformats.org/officeDocument/2006/relationships" xmlns:p="http://schemas.openxmlformats.org/presentationml/2006/main">
+  <p:cSld>
+    <p:spTree>
+      <p:nvGrpSpPr>
+        <p:cNvPr id="1" name=""/>
+        <p:cNvGrpSpPr/>
+        <p:nvPr/>
+      </p:nvGrpSpPr>
+      <p:grpSpPr>
+        <a:xfrm>
+          <a:off x="0" y="0"/>
+          <a:ext cx="0" cy="0"/>
+          <a:chOff x="0" y="0"/>
+          <a:chExt cx="0" cy="0"/>
+        </a:xfrm>
+      </p:grpSpPr>
+      <p:grpSp>
+        <p:nvGrpSpPr>
+          <p:cNvPr id="79" name="Gruppieren 78">
+            <a:extLst>
+              <a:ext uri="{FF2B5EF4-FFF2-40B4-BE49-F238E27FC236}">
+                <a16:creationId xmlns:a16="http://schemas.microsoft.com/office/drawing/2014/main" id="{69A3CC56-334B-3264-9D2D-02033F66353F}"/>
+              </a:ext>
+            </a:extLst>
+          </p:cNvPr>
+          <p:cNvGrpSpPr/>
+          <p:nvPr/>
+        </p:nvGrpSpPr>
+        <p:grpSpPr>
+          <a:xfrm>
+            <a:off x="2926080" y="938784"/>
+            <a:ext cx="5815584" cy="2804160"/>
+            <a:chOff x="2926080" y="938784"/>
+            <a:chExt cx="5815584" cy="2804160"/>
+          </a:xfrm>
+        </p:grpSpPr>
+        <p:sp>
+          <p:nvSpPr>
+            <p:cNvPr id="5" name="Rechteck 4">
+              <a:extLst>
+                <a:ext uri="{FF2B5EF4-FFF2-40B4-BE49-F238E27FC236}">
+                  <a16:creationId xmlns:a16="http://schemas.microsoft.com/office/drawing/2014/main" id="{64D0232B-4549-4DBB-2EE6-5F1987B3C41E}"/>
+                </a:ext>
+              </a:extLst>
+            </p:cNvPr>
+            <p:cNvSpPr/>
+            <p:nvPr/>
+          </p:nvSpPr>
+          <p:spPr>
+            <a:xfrm>
+              <a:off x="2926080" y="938784"/>
+              <a:ext cx="5815584" cy="2804160"/>
+            </a:xfrm>
+            <a:prstGeom prst="rect">
+              <a:avLst/>
+            </a:prstGeom>
+            <a:solidFill>
+              <a:schemeClr val="bg1"/>
+            </a:solidFill>
+            <a:ln>
+              <a:solidFill>
+                <a:schemeClr val="bg1"/>
+              </a:solidFill>
+            </a:ln>
+          </p:spPr>
+          <p:style>
+            <a:lnRef idx="2">
+              <a:schemeClr val="accent1">
+                <a:shade val="50000"/>
+              </a:schemeClr>
+            </a:lnRef>
+            <a:fillRef idx="1">
+              <a:schemeClr val="accent1"/>
+            </a:fillRef>
+            <a:effectRef idx="0">
+              <a:schemeClr val="accent1"/>
+            </a:effectRef>
+            <a:fontRef idx="minor">
+              <a:schemeClr val="lt1"/>
+            </a:fontRef>
+          </p:style>
+          <p:txBody>
+            <a:bodyPr rtlCol="0" anchor="ctr"/>
+            <a:lstStyle/>
+            <a:p>
+              <a:pPr algn="ctr"/>
+              <a:endParaRPr lang="en-US"/>
+            </a:p>
+          </p:txBody>
+        </p:sp>
+        <p:cxnSp>
+          <p:nvCxnSpPr>
+            <p:cNvPr id="35" name="Gerade Verbindung mit Pfeil 34">
+              <a:extLst>
+                <a:ext uri="{FF2B5EF4-FFF2-40B4-BE49-F238E27FC236}">
+                  <a16:creationId xmlns:a16="http://schemas.microsoft.com/office/drawing/2014/main" id="{1DE578BD-D7AB-F42E-7BDA-2F2CA7EBE409}"/>
+                </a:ext>
+              </a:extLst>
+            </p:cNvPr>
+            <p:cNvCxnSpPr>
+              <a:cxnSpLocks/>
+            </p:cNvCxnSpPr>
+            <p:nvPr/>
+          </p:nvCxnSpPr>
+          <p:spPr>
+            <a:xfrm>
+              <a:off x="4317050" y="2700469"/>
+              <a:ext cx="2475358" cy="0"/>
+            </a:xfrm>
+            <a:prstGeom prst="straightConnector1">
+              <a:avLst/>
+            </a:prstGeom>
+            <a:ln>
+              <a:solidFill>
+                <a:schemeClr val="tx1"/>
+              </a:solidFill>
+              <a:tailEnd type="triangle"/>
+            </a:ln>
+          </p:spPr>
+          <p:style>
+            <a:lnRef idx="1">
+              <a:schemeClr val="accent1"/>
+            </a:lnRef>
+            <a:fillRef idx="0">
+              <a:schemeClr val="accent1"/>
+            </a:fillRef>
+            <a:effectRef idx="0">
+              <a:schemeClr val="accent1"/>
+            </a:effectRef>
+            <a:fontRef idx="minor">
+              <a:schemeClr val="tx1"/>
+            </a:fontRef>
+          </p:style>
+        </p:cxnSp>
+        <p:cxnSp>
+          <p:nvCxnSpPr>
+            <p:cNvPr id="39" name="Gerader Verbinder 38">
+              <a:extLst>
+                <a:ext uri="{FF2B5EF4-FFF2-40B4-BE49-F238E27FC236}">
+                  <a16:creationId xmlns:a16="http://schemas.microsoft.com/office/drawing/2014/main" id="{D475EDB8-6B77-E157-C521-242E46E09411}"/>
+                </a:ext>
+              </a:extLst>
+            </p:cNvPr>
+            <p:cNvCxnSpPr/>
+            <p:nvPr/>
+          </p:nvCxnSpPr>
+          <p:spPr>
+            <a:xfrm>
+              <a:off x="7932706" y="1811706"/>
+              <a:ext cx="270617" cy="0"/>
+            </a:xfrm>
+            <a:prstGeom prst="line">
+              <a:avLst/>
+            </a:prstGeom>
+            <a:ln>
+              <a:solidFill>
+                <a:schemeClr val="tx1"/>
+              </a:solidFill>
+            </a:ln>
+          </p:spPr>
+          <p:style>
+            <a:lnRef idx="1">
+              <a:schemeClr val="accent1"/>
+            </a:lnRef>
+            <a:fillRef idx="0">
+              <a:schemeClr val="accent1"/>
+            </a:fillRef>
+            <a:effectRef idx="0">
+              <a:schemeClr val="accent1"/>
+            </a:effectRef>
+            <a:fontRef idx="minor">
+              <a:schemeClr val="tx1"/>
+            </a:fontRef>
+          </p:style>
+        </p:cxnSp>
+        <p:cxnSp>
+          <p:nvCxnSpPr>
+            <p:cNvPr id="40" name="Gerader Verbinder 39">
+              <a:extLst>
+                <a:ext uri="{FF2B5EF4-FFF2-40B4-BE49-F238E27FC236}">
+                  <a16:creationId xmlns:a16="http://schemas.microsoft.com/office/drawing/2014/main" id="{D634A7AD-D652-FBD0-4454-6AC0DD612E67}"/>
+                </a:ext>
+              </a:extLst>
+            </p:cNvPr>
+            <p:cNvCxnSpPr>
+              <a:cxnSpLocks/>
+            </p:cNvCxnSpPr>
+            <p:nvPr/>
+          </p:nvCxnSpPr>
+          <p:spPr>
+            <a:xfrm flipV="1">
+              <a:off x="8203323" y="1392962"/>
+              <a:ext cx="0" cy="418744"/>
+            </a:xfrm>
+            <a:prstGeom prst="line">
+              <a:avLst/>
+            </a:prstGeom>
+            <a:ln>
+              <a:solidFill>
+                <a:schemeClr val="tx1"/>
+              </a:solidFill>
+            </a:ln>
+          </p:spPr>
+          <p:style>
+            <a:lnRef idx="1">
+              <a:schemeClr val="accent1"/>
+            </a:lnRef>
+            <a:fillRef idx="0">
+              <a:schemeClr val="accent1"/>
+            </a:fillRef>
+            <a:effectRef idx="0">
+              <a:schemeClr val="accent1"/>
+            </a:effectRef>
+            <a:fontRef idx="minor">
+              <a:schemeClr val="tx1"/>
+            </a:fontRef>
+          </p:style>
+        </p:cxnSp>
+        <p:cxnSp>
+          <p:nvCxnSpPr>
+            <p:cNvPr id="43" name="Gerader Verbinder 42">
+              <a:extLst>
+                <a:ext uri="{FF2B5EF4-FFF2-40B4-BE49-F238E27FC236}">
+                  <a16:creationId xmlns:a16="http://schemas.microsoft.com/office/drawing/2014/main" id="{ADF4433F-B4BF-DFE3-1947-AC718CB9982D}"/>
+                </a:ext>
+              </a:extLst>
+            </p:cNvPr>
+            <p:cNvCxnSpPr>
+              <a:cxnSpLocks/>
+            </p:cNvCxnSpPr>
+            <p:nvPr/>
+          </p:nvCxnSpPr>
+          <p:spPr>
+            <a:xfrm flipV="1">
+              <a:off x="4317050" y="1392962"/>
+              <a:ext cx="3886273" cy="13430"/>
+            </a:xfrm>
+            <a:prstGeom prst="line">
+              <a:avLst/>
+            </a:prstGeom>
+            <a:ln>
+              <a:solidFill>
+                <a:schemeClr val="tx1"/>
+              </a:solidFill>
+            </a:ln>
+          </p:spPr>
+          <p:style>
+            <a:lnRef idx="1">
+              <a:schemeClr val="accent1"/>
+            </a:lnRef>
+            <a:fillRef idx="0">
+              <a:schemeClr val="accent1"/>
+            </a:fillRef>
+            <a:effectRef idx="0">
+              <a:schemeClr val="accent1"/>
+            </a:effectRef>
+            <a:fontRef idx="minor">
+              <a:schemeClr val="tx1"/>
+            </a:fontRef>
+          </p:style>
+        </p:cxnSp>
+        <p:sp>
+          <p:nvSpPr>
+            <p:cNvPr id="52" name="Textfeld 51">
+              <a:extLst>
+                <a:ext uri="{FF2B5EF4-FFF2-40B4-BE49-F238E27FC236}">
+                  <a16:creationId xmlns:a16="http://schemas.microsoft.com/office/drawing/2014/main" id="{9ADE25E8-E87E-7570-5876-B14557495051}"/>
+                </a:ext>
+              </a:extLst>
+            </p:cNvPr>
+            <p:cNvSpPr txBox="1"/>
+            <p:nvPr/>
+          </p:nvSpPr>
+          <p:spPr>
+            <a:xfrm>
+              <a:off x="4813982" y="1129393"/>
+              <a:ext cx="1319592" cy="276999"/>
+            </a:xfrm>
+            <a:prstGeom prst="rect">
+              <a:avLst/>
+            </a:prstGeom>
+            <a:noFill/>
+          </p:spPr>
+          <p:txBody>
+            <a:bodyPr wrap="none" rtlCol="0">
+              <a:spAutoFit/>
+            </a:bodyPr>
+            <a:lstStyle/>
+            <a:p>
+              <a:r>
+                <a:rPr lang="de-DE" sz="1200" dirty="0"/>
+                <a:t>WB\LA out </a:t>
+              </a:r>
+              <a:r>
+                <a:rPr lang="de-DE" sz="1200" dirty="0" err="1"/>
+                <a:t>signals</a:t>
+              </a:r>
+              <a:endParaRPr lang="en-US" sz="1200" dirty="0"/>
+            </a:p>
+          </p:txBody>
+        </p:sp>
+        <p:cxnSp>
+          <p:nvCxnSpPr>
+            <p:cNvPr id="62" name="Gerade Verbindung mit Pfeil 61">
+              <a:extLst>
+                <a:ext uri="{FF2B5EF4-FFF2-40B4-BE49-F238E27FC236}">
+                  <a16:creationId xmlns:a16="http://schemas.microsoft.com/office/drawing/2014/main" id="{C45C744E-8E07-8FDC-C812-823DED84D8AA}"/>
+                </a:ext>
+              </a:extLst>
+            </p:cNvPr>
+            <p:cNvCxnSpPr>
+              <a:cxnSpLocks/>
+            </p:cNvCxnSpPr>
+            <p:nvPr/>
+          </p:nvCxnSpPr>
+          <p:spPr>
+            <a:xfrm>
+              <a:off x="6510931" y="3070725"/>
+              <a:ext cx="285752" cy="0"/>
+            </a:xfrm>
+            <a:prstGeom prst="straightConnector1">
+              <a:avLst/>
+            </a:prstGeom>
+            <a:ln w="44450">
+              <a:solidFill>
+                <a:srgbClr val="002060"/>
+              </a:solidFill>
+              <a:tailEnd type="triangle"/>
+            </a:ln>
+          </p:spPr>
+          <p:style>
+            <a:lnRef idx="1">
+              <a:schemeClr val="accent1"/>
+            </a:lnRef>
+            <a:fillRef idx="0">
+              <a:schemeClr val="accent1"/>
+            </a:fillRef>
+            <a:effectRef idx="0">
+              <a:schemeClr val="accent1"/>
+            </a:effectRef>
+            <a:fontRef idx="minor">
+              <a:schemeClr val="tx1"/>
+            </a:fontRef>
+          </p:style>
+        </p:cxnSp>
+        <p:cxnSp>
+          <p:nvCxnSpPr>
+            <p:cNvPr id="63" name="Gerader Verbinder 62">
+              <a:extLst>
+                <a:ext uri="{FF2B5EF4-FFF2-40B4-BE49-F238E27FC236}">
+                  <a16:creationId xmlns:a16="http://schemas.microsoft.com/office/drawing/2014/main" id="{B9E2DFC0-DA57-5FD7-515A-B7E4042689B6}"/>
+                </a:ext>
+              </a:extLst>
+            </p:cNvPr>
+            <p:cNvCxnSpPr>
+              <a:cxnSpLocks/>
+            </p:cNvCxnSpPr>
+            <p:nvPr/>
+          </p:nvCxnSpPr>
+          <p:spPr>
+            <a:xfrm flipH="1">
+              <a:off x="6510931" y="2145732"/>
+              <a:ext cx="1425" cy="931479"/>
+            </a:xfrm>
+            <a:prstGeom prst="line">
+              <a:avLst/>
+            </a:prstGeom>
+            <a:ln w="44450">
+              <a:solidFill>
+                <a:srgbClr val="002060"/>
+              </a:solidFill>
+            </a:ln>
+          </p:spPr>
+          <p:style>
+            <a:lnRef idx="1">
+              <a:schemeClr val="accent1"/>
+            </a:lnRef>
+            <a:fillRef idx="0">
+              <a:schemeClr val="accent1"/>
+            </a:fillRef>
+            <a:effectRef idx="0">
+              <a:schemeClr val="accent1"/>
+            </a:effectRef>
+            <a:fontRef idx="minor">
+              <a:schemeClr val="tx1"/>
+            </a:fontRef>
+          </p:style>
+        </p:cxnSp>
+        <p:sp>
+          <p:nvSpPr>
+            <p:cNvPr id="82" name="Rechteck 81">
+              <a:extLst>
+                <a:ext uri="{FF2B5EF4-FFF2-40B4-BE49-F238E27FC236}">
+                  <a16:creationId xmlns:a16="http://schemas.microsoft.com/office/drawing/2014/main" id="{A3F3E996-CC8A-23F5-F239-5EFC0698EC11}"/>
+                </a:ext>
+              </a:extLst>
+            </p:cNvPr>
+            <p:cNvSpPr/>
+            <p:nvPr/>
+          </p:nvSpPr>
+          <p:spPr>
+            <a:xfrm>
+              <a:off x="6361088" y="1129393"/>
+              <a:ext cx="2123168" cy="2429433"/>
+            </a:xfrm>
+            <a:prstGeom prst="rect">
+              <a:avLst/>
+            </a:prstGeom>
+            <a:noFill/>
+            <a:ln>
+              <a:solidFill>
+                <a:schemeClr val="tx1"/>
+              </a:solidFill>
+            </a:ln>
+          </p:spPr>
+          <p:style>
+            <a:lnRef idx="2">
+              <a:schemeClr val="accent1">
+                <a:shade val="50000"/>
+              </a:schemeClr>
+            </a:lnRef>
+            <a:fillRef idx="1">
+              <a:schemeClr val="accent1"/>
+            </a:fillRef>
+            <a:effectRef idx="0">
+              <a:schemeClr val="accent1"/>
+            </a:effectRef>
+            <a:fontRef idx="minor">
+              <a:schemeClr val="lt1"/>
+            </a:fontRef>
+          </p:style>
+          <p:txBody>
+            <a:bodyPr rtlCol="0" anchor="ctr"/>
+            <a:lstStyle/>
+            <a:p>
+              <a:pPr algn="ctr"/>
+              <a:endParaRPr lang="en-US"/>
+            </a:p>
+          </p:txBody>
+        </p:sp>
+        <p:cxnSp>
+          <p:nvCxnSpPr>
+            <p:cNvPr id="32" name="Gerade Verbindung mit Pfeil 31">
+              <a:extLst>
+                <a:ext uri="{FF2B5EF4-FFF2-40B4-BE49-F238E27FC236}">
+                  <a16:creationId xmlns:a16="http://schemas.microsoft.com/office/drawing/2014/main" id="{6EC52A58-6508-EF46-CCAE-080B558E2518}"/>
+                </a:ext>
+              </a:extLst>
+            </p:cNvPr>
+            <p:cNvCxnSpPr>
+              <a:cxnSpLocks/>
+            </p:cNvCxnSpPr>
+            <p:nvPr/>
+          </p:nvCxnSpPr>
+          <p:spPr>
+            <a:xfrm>
+              <a:off x="4317050" y="2164236"/>
+              <a:ext cx="3246300" cy="0"/>
+            </a:xfrm>
+            <a:prstGeom prst="straightConnector1">
+              <a:avLst/>
+            </a:prstGeom>
+            <a:ln w="44450">
+              <a:solidFill>
+                <a:srgbClr val="002060"/>
+              </a:solidFill>
+              <a:tailEnd type="triangle"/>
+            </a:ln>
+          </p:spPr>
+          <p:style>
+            <a:lnRef idx="1">
+              <a:schemeClr val="accent1"/>
+            </a:lnRef>
+            <a:fillRef idx="0">
+              <a:schemeClr val="accent1"/>
+            </a:fillRef>
+            <a:effectRef idx="0">
+              <a:schemeClr val="accent1"/>
+            </a:effectRef>
+            <a:fontRef idx="minor">
+              <a:schemeClr val="tx1"/>
+            </a:fontRef>
+          </p:style>
+        </p:cxnSp>
+        <p:cxnSp>
+          <p:nvCxnSpPr>
+            <p:cNvPr id="42" name="Gerade Verbindung mit Pfeil 41">
+              <a:extLst>
+                <a:ext uri="{FF2B5EF4-FFF2-40B4-BE49-F238E27FC236}">
+                  <a16:creationId xmlns:a16="http://schemas.microsoft.com/office/drawing/2014/main" id="{D28A4D68-F797-55DD-6BF5-48CF0C622F65}"/>
+                </a:ext>
+              </a:extLst>
+            </p:cNvPr>
+            <p:cNvCxnSpPr>
+              <a:cxnSpLocks/>
+            </p:cNvCxnSpPr>
+            <p:nvPr/>
+          </p:nvCxnSpPr>
+          <p:spPr>
+            <a:xfrm>
+              <a:off x="4317050" y="1811706"/>
+              <a:ext cx="3240600" cy="0"/>
+            </a:xfrm>
+            <a:prstGeom prst="straightConnector1">
+              <a:avLst/>
+            </a:prstGeom>
+            <a:ln>
+              <a:solidFill>
+                <a:schemeClr val="tx1"/>
+              </a:solidFill>
+              <a:tailEnd type="triangle"/>
+            </a:ln>
+          </p:spPr>
+          <p:style>
+            <a:lnRef idx="1">
+              <a:schemeClr val="accent1"/>
+            </a:lnRef>
+            <a:fillRef idx="0">
+              <a:schemeClr val="accent1"/>
+            </a:fillRef>
+            <a:effectRef idx="0">
+              <a:schemeClr val="accent1"/>
+            </a:effectRef>
+            <a:fontRef idx="minor">
+              <a:schemeClr val="tx1"/>
+            </a:fontRef>
+          </p:style>
+        </p:cxnSp>
+        <p:cxnSp>
+          <p:nvCxnSpPr>
+            <p:cNvPr id="48" name="Gerade Verbindung mit Pfeil 47">
+              <a:extLst>
+                <a:ext uri="{FF2B5EF4-FFF2-40B4-BE49-F238E27FC236}">
+                  <a16:creationId xmlns:a16="http://schemas.microsoft.com/office/drawing/2014/main" id="{D334459C-F082-4BBA-C97F-5A5BD37D7F83}"/>
+                </a:ext>
+              </a:extLst>
+            </p:cNvPr>
+            <p:cNvCxnSpPr>
+              <a:cxnSpLocks/>
+            </p:cNvCxnSpPr>
+            <p:nvPr/>
+          </p:nvCxnSpPr>
+          <p:spPr>
+            <a:xfrm flipV="1">
+              <a:off x="7750869" y="2295391"/>
+              <a:ext cx="0" cy="378655"/>
+            </a:xfrm>
+            <a:prstGeom prst="straightConnector1">
+              <a:avLst/>
+            </a:prstGeom>
+            <a:ln>
+              <a:solidFill>
+                <a:schemeClr val="tx1"/>
+              </a:solidFill>
+              <a:tailEnd type="triangle"/>
+            </a:ln>
+          </p:spPr>
+          <p:style>
+            <a:lnRef idx="1">
+              <a:schemeClr val="accent1"/>
+            </a:lnRef>
+            <a:fillRef idx="0">
+              <a:schemeClr val="accent1"/>
+            </a:fillRef>
+            <a:effectRef idx="0">
+              <a:schemeClr val="accent1"/>
+            </a:effectRef>
+            <a:fontRef idx="minor">
+              <a:schemeClr val="tx1"/>
+            </a:fontRef>
+          </p:style>
+        </p:cxnSp>
+        <p:grpSp>
+          <p:nvGrpSpPr>
+            <p:cNvPr id="45" name="Gruppieren 44">
+              <a:extLst>
+                <a:ext uri="{FF2B5EF4-FFF2-40B4-BE49-F238E27FC236}">
+                  <a16:creationId xmlns:a16="http://schemas.microsoft.com/office/drawing/2014/main" id="{C0AB6064-C61B-03C5-E8B9-8E5D966E429E}"/>
+                </a:ext>
+              </a:extLst>
+            </p:cNvPr>
+            <p:cNvGrpSpPr/>
+            <p:nvPr/>
+          </p:nvGrpSpPr>
+          <p:grpSpPr>
+            <a:xfrm>
+              <a:off x="6801931" y="2552828"/>
+              <a:ext cx="386949" cy="649229"/>
+              <a:chOff x="3945234" y="1653862"/>
+              <a:chExt cx="386949" cy="649229"/>
+            </a:xfrm>
+          </p:grpSpPr>
+          <p:sp>
+            <p:nvSpPr>
+              <p:cNvPr id="47" name="Rechteck 46">
+                <a:extLst>
+                  <a:ext uri="{FF2B5EF4-FFF2-40B4-BE49-F238E27FC236}">
+                    <a16:creationId xmlns:a16="http://schemas.microsoft.com/office/drawing/2014/main" id="{7A092447-89FC-8568-E49B-AC400EC819FE}"/>
+                  </a:ext>
+                </a:extLst>
+              </p:cNvPr>
+              <p:cNvSpPr/>
+              <p:nvPr/>
+            </p:nvSpPr>
+            <p:spPr>
+              <a:xfrm>
+                <a:off x="3945234" y="1653862"/>
+                <a:ext cx="356681" cy="622570"/>
+              </a:xfrm>
+              <a:prstGeom prst="rect">
+                <a:avLst/>
+              </a:prstGeom>
+              <a:solidFill>
+                <a:srgbClr val="FFFF00"/>
+              </a:solidFill>
+              <a:ln>
+                <a:solidFill>
+                  <a:schemeClr val="tx1"/>
+                </a:solidFill>
+              </a:ln>
+            </p:spPr>
+            <p:style>
+              <a:lnRef idx="2">
+                <a:schemeClr val="accent1">
+                  <a:shade val="50000"/>
+                </a:schemeClr>
+              </a:lnRef>
+              <a:fillRef idx="1">
+                <a:schemeClr val="accent1"/>
+              </a:fillRef>
+              <a:effectRef idx="0">
+                <a:schemeClr val="accent1"/>
+              </a:effectRef>
+              <a:fontRef idx="minor">
+                <a:schemeClr val="lt1"/>
+              </a:fontRef>
+            </p:style>
+            <p:txBody>
+              <a:bodyPr rtlCol="0" anchor="ctr"/>
+              <a:lstStyle/>
+              <a:p>
+                <a:pPr algn="ctr"/>
+                <a:endParaRPr lang="en-US" dirty="0"/>
+              </a:p>
+            </p:txBody>
+          </p:sp>
+          <p:cxnSp>
+            <p:nvCxnSpPr>
+              <p:cNvPr id="60" name="Gerader Verbinder 59">
+                <a:extLst>
+                  <a:ext uri="{FF2B5EF4-FFF2-40B4-BE49-F238E27FC236}">
+                    <a16:creationId xmlns:a16="http://schemas.microsoft.com/office/drawing/2014/main" id="{24C28901-A5CE-09B6-DDF5-0B1C2F5623C3}"/>
+                  </a:ext>
+                </a:extLst>
+              </p:cNvPr>
+              <p:cNvCxnSpPr/>
+              <p:nvPr/>
+            </p:nvCxnSpPr>
+            <p:spPr>
+              <a:xfrm flipV="1">
+                <a:off x="3945234" y="2152609"/>
+                <a:ext cx="165825" cy="123823"/>
+              </a:xfrm>
+              <a:prstGeom prst="line">
+                <a:avLst/>
+              </a:prstGeom>
+              <a:ln>
+                <a:solidFill>
+                  <a:schemeClr val="tx1"/>
+                </a:solidFill>
+              </a:ln>
+            </p:spPr>
+            <p:style>
+              <a:lnRef idx="1">
+                <a:schemeClr val="accent1"/>
+              </a:lnRef>
+              <a:fillRef idx="0">
+                <a:schemeClr val="accent1"/>
+              </a:fillRef>
+              <a:effectRef idx="0">
+                <a:schemeClr val="accent1"/>
+              </a:effectRef>
+              <a:fontRef idx="minor">
+                <a:schemeClr val="tx1"/>
+              </a:fontRef>
+            </p:style>
+          </p:cxnSp>
+          <p:cxnSp>
+            <p:nvCxnSpPr>
+              <p:cNvPr id="64" name="Gerader Verbinder 63">
+                <a:extLst>
+                  <a:ext uri="{FF2B5EF4-FFF2-40B4-BE49-F238E27FC236}">
+                    <a16:creationId xmlns:a16="http://schemas.microsoft.com/office/drawing/2014/main" id="{8DDA5210-DE58-8DCE-F29A-9D8E689C2BB3}"/>
+                  </a:ext>
+                </a:extLst>
+              </p:cNvPr>
+              <p:cNvCxnSpPr>
+                <a:cxnSpLocks/>
+              </p:cNvCxnSpPr>
+              <p:nvPr/>
+            </p:nvCxnSpPr>
+            <p:spPr>
+              <a:xfrm>
+                <a:off x="3945234" y="2084242"/>
+                <a:ext cx="152400" cy="68367"/>
+              </a:xfrm>
+              <a:prstGeom prst="line">
+                <a:avLst/>
+              </a:prstGeom>
+              <a:ln>
+                <a:solidFill>
+                  <a:schemeClr val="tx1"/>
+                </a:solidFill>
+              </a:ln>
+            </p:spPr>
+            <p:style>
+              <a:lnRef idx="1">
+                <a:schemeClr val="accent1"/>
+              </a:lnRef>
+              <a:fillRef idx="0">
+                <a:schemeClr val="accent1"/>
+              </a:fillRef>
+              <a:effectRef idx="0">
+                <a:schemeClr val="accent1"/>
+              </a:effectRef>
+              <a:fontRef idx="minor">
+                <a:schemeClr val="tx1"/>
+              </a:fontRef>
+            </p:style>
+          </p:cxnSp>
+          <p:sp>
+            <p:nvSpPr>
+              <p:cNvPr id="66" name="Textfeld 65">
+                <a:extLst>
+                  <a:ext uri="{FF2B5EF4-FFF2-40B4-BE49-F238E27FC236}">
+                    <a16:creationId xmlns:a16="http://schemas.microsoft.com/office/drawing/2014/main" id="{90761661-4509-82B2-C348-5858D8BE81AE}"/>
+                  </a:ext>
+                </a:extLst>
+              </p:cNvPr>
+              <p:cNvSpPr txBox="1"/>
+              <p:nvPr/>
+            </p:nvSpPr>
+            <p:spPr>
+              <a:xfrm>
+                <a:off x="4067367" y="1933759"/>
+                <a:ext cx="264816" cy="369332"/>
+              </a:xfrm>
+              <a:prstGeom prst="rect">
+                <a:avLst/>
+              </a:prstGeom>
+              <a:noFill/>
+            </p:spPr>
+            <p:txBody>
+              <a:bodyPr wrap="none" rtlCol="0">
+                <a:spAutoFit/>
+              </a:bodyPr>
+              <a:lstStyle/>
+              <a:p>
+                <a:r>
+                  <a:rPr lang="de-DE" dirty="0"/>
+                  <a:t>r</a:t>
+                </a:r>
+                <a:endParaRPr lang="en-US" dirty="0"/>
+              </a:p>
+            </p:txBody>
+          </p:sp>
+        </p:grpSp>
+        <p:sp>
+          <p:nvSpPr>
+            <p:cNvPr id="20" name="Textfeld 19">
+              <a:extLst>
+                <a:ext uri="{FF2B5EF4-FFF2-40B4-BE49-F238E27FC236}">
+                  <a16:creationId xmlns:a16="http://schemas.microsoft.com/office/drawing/2014/main" id="{EE189F93-0289-48EE-3907-414D84EA41A9}"/>
+                </a:ext>
+              </a:extLst>
+            </p:cNvPr>
+            <p:cNvSpPr txBox="1"/>
+            <p:nvPr/>
+          </p:nvSpPr>
+          <p:spPr>
+            <a:xfrm>
+              <a:off x="4820078" y="1550017"/>
+              <a:ext cx="1221809" cy="276999"/>
+            </a:xfrm>
+            <a:prstGeom prst="rect">
+              <a:avLst/>
+            </a:prstGeom>
+            <a:noFill/>
+          </p:spPr>
+          <p:txBody>
+            <a:bodyPr wrap="none" rtlCol="0">
+              <a:spAutoFit/>
+            </a:bodyPr>
+            <a:lstStyle/>
+            <a:p>
+              <a:r>
+                <a:rPr lang="de-DE" sz="1200" dirty="0"/>
+                <a:t>WB\LA in </a:t>
+              </a:r>
+              <a:r>
+                <a:rPr lang="de-DE" sz="1200" dirty="0" err="1"/>
+                <a:t>signals</a:t>
+              </a:r>
+              <a:endParaRPr lang="en-US" sz="1200" dirty="0"/>
+            </a:p>
+          </p:txBody>
+        </p:sp>
+        <p:sp>
+          <p:nvSpPr>
+            <p:cNvPr id="21" name="Textfeld 20">
+              <a:extLst>
+                <a:ext uri="{FF2B5EF4-FFF2-40B4-BE49-F238E27FC236}">
+                  <a16:creationId xmlns:a16="http://schemas.microsoft.com/office/drawing/2014/main" id="{DC86909F-EEDF-A9AA-A3A0-59B52BECCDB9}"/>
+                </a:ext>
+              </a:extLst>
+            </p:cNvPr>
+            <p:cNvSpPr txBox="1"/>
+            <p:nvPr/>
+          </p:nvSpPr>
+          <p:spPr>
+            <a:xfrm>
+              <a:off x="4820078" y="1915777"/>
+              <a:ext cx="623889" cy="276999"/>
+            </a:xfrm>
+            <a:prstGeom prst="rect">
+              <a:avLst/>
+            </a:prstGeom>
+            <a:noFill/>
+          </p:spPr>
+          <p:txBody>
+            <a:bodyPr wrap="none" rtlCol="0">
+              <a:spAutoFit/>
+            </a:bodyPr>
+            <a:lstStyle/>
+            <a:p>
+              <a:r>
+                <a:rPr lang="de-DE" sz="1200" dirty="0" err="1"/>
+                <a:t>wb_clk</a:t>
+              </a:r>
+              <a:endParaRPr lang="en-US" sz="1200" dirty="0"/>
+            </a:p>
+          </p:txBody>
+        </p:sp>
+        <p:sp>
+          <p:nvSpPr>
+            <p:cNvPr id="22" name="Textfeld 21">
+              <a:extLst>
+                <a:ext uri="{FF2B5EF4-FFF2-40B4-BE49-F238E27FC236}">
+                  <a16:creationId xmlns:a16="http://schemas.microsoft.com/office/drawing/2014/main" id="{AD6EBEBE-2477-1C61-7822-1F5A1649A1FD}"/>
+                </a:ext>
+              </a:extLst>
+            </p:cNvPr>
+            <p:cNvSpPr txBox="1"/>
+            <p:nvPr/>
+          </p:nvSpPr>
+          <p:spPr>
+            <a:xfrm>
+              <a:off x="4832270" y="2427841"/>
+              <a:ext cx="613117" cy="276999"/>
+            </a:xfrm>
+            <a:prstGeom prst="rect">
+              <a:avLst/>
+            </a:prstGeom>
+            <a:noFill/>
+          </p:spPr>
+          <p:txBody>
+            <a:bodyPr wrap="none" rtlCol="0">
+              <a:spAutoFit/>
+            </a:bodyPr>
+            <a:lstStyle/>
+            <a:p>
+              <a:r>
+                <a:rPr lang="de-DE" sz="1200" dirty="0" err="1"/>
+                <a:t>wb_rst</a:t>
+              </a:r>
+              <a:endParaRPr lang="en-US" sz="1200" dirty="0"/>
+            </a:p>
+          </p:txBody>
+        </p:sp>
+        <p:cxnSp>
+          <p:nvCxnSpPr>
+            <p:cNvPr id="26" name="Gerader Verbinder 25">
+              <a:extLst>
+                <a:ext uri="{FF2B5EF4-FFF2-40B4-BE49-F238E27FC236}">
+                  <a16:creationId xmlns:a16="http://schemas.microsoft.com/office/drawing/2014/main" id="{C0FFAE72-1733-AF28-CDB3-BD04AAECE42A}"/>
+                </a:ext>
+              </a:extLst>
+            </p:cNvPr>
+            <p:cNvCxnSpPr>
+              <a:cxnSpLocks/>
+            </p:cNvCxnSpPr>
+            <p:nvPr/>
+          </p:nvCxnSpPr>
+          <p:spPr>
+            <a:xfrm>
+              <a:off x="7188880" y="2700469"/>
+              <a:ext cx="561989" cy="0"/>
+            </a:xfrm>
+            <a:prstGeom prst="line">
+              <a:avLst/>
+            </a:prstGeom>
+            <a:ln>
+              <a:solidFill>
+                <a:schemeClr val="tx1"/>
+              </a:solidFill>
+            </a:ln>
+          </p:spPr>
+          <p:style>
+            <a:lnRef idx="1">
+              <a:schemeClr val="accent1"/>
+            </a:lnRef>
+            <a:fillRef idx="0">
+              <a:schemeClr val="accent1"/>
+            </a:fillRef>
+            <a:effectRef idx="0">
+              <a:schemeClr val="accent1"/>
+            </a:effectRef>
+            <a:fontRef idx="minor">
+              <a:schemeClr val="tx1"/>
+            </a:fontRef>
+          </p:style>
+        </p:cxnSp>
+        <p:sp>
+          <p:nvSpPr>
+            <p:cNvPr id="28" name="Textfeld 27">
+              <a:extLst>
+                <a:ext uri="{FF2B5EF4-FFF2-40B4-BE49-F238E27FC236}">
+                  <a16:creationId xmlns:a16="http://schemas.microsoft.com/office/drawing/2014/main" id="{16AA1F6E-C0CE-3F22-0104-58120342639D}"/>
+                </a:ext>
+              </a:extLst>
+            </p:cNvPr>
+            <p:cNvSpPr txBox="1"/>
+            <p:nvPr/>
+          </p:nvSpPr>
+          <p:spPr>
+            <a:xfrm>
+              <a:off x="7556548" y="3215354"/>
+              <a:ext cx="822533" cy="276999"/>
+            </a:xfrm>
+            <a:prstGeom prst="rect">
+              <a:avLst/>
+            </a:prstGeom>
+            <a:noFill/>
+          </p:spPr>
+          <p:txBody>
+            <a:bodyPr wrap="none" rtlCol="0">
+              <a:spAutoFit/>
+            </a:bodyPr>
+            <a:lstStyle/>
+            <a:p>
+              <a:r>
+                <a:rPr lang="de-DE" sz="1200" dirty="0"/>
+                <a:t>USER </a:t>
+              </a:r>
+              <a:r>
+                <a:rPr lang="de-DE" sz="1200" dirty="0" err="1"/>
+                <a:t>core</a:t>
+              </a:r>
+              <a:endParaRPr lang="en-US" sz="1200" dirty="0"/>
+            </a:p>
+          </p:txBody>
+        </p:sp>
+        <p:sp>
+          <p:nvSpPr>
+            <p:cNvPr id="29" name="Rechteck 28">
+              <a:extLst>
+                <a:ext uri="{FF2B5EF4-FFF2-40B4-BE49-F238E27FC236}">
+                  <a16:creationId xmlns:a16="http://schemas.microsoft.com/office/drawing/2014/main" id="{2A56CCD0-CFE7-E7A6-0DF1-6D310A7B6FB4}"/>
+                </a:ext>
+              </a:extLst>
+            </p:cNvPr>
+            <p:cNvSpPr/>
+            <p:nvPr/>
+          </p:nvSpPr>
+          <p:spPr>
+            <a:xfrm>
+              <a:off x="3247699" y="1114083"/>
+              <a:ext cx="1319593" cy="2444744"/>
+            </a:xfrm>
+            <a:prstGeom prst="rect">
+              <a:avLst/>
+            </a:prstGeom>
+            <a:noFill/>
+            <a:ln>
+              <a:solidFill>
+                <a:schemeClr val="tx1"/>
+              </a:solidFill>
+            </a:ln>
+          </p:spPr>
+          <p:style>
+            <a:lnRef idx="2">
+              <a:schemeClr val="accent1">
+                <a:shade val="50000"/>
+              </a:schemeClr>
+            </a:lnRef>
+            <a:fillRef idx="1">
+              <a:schemeClr val="accent1"/>
+            </a:fillRef>
+            <a:effectRef idx="0">
+              <a:schemeClr val="accent1"/>
+            </a:effectRef>
+            <a:fontRef idx="minor">
+              <a:schemeClr val="lt1"/>
+            </a:fontRef>
+          </p:style>
+          <p:txBody>
+            <a:bodyPr rtlCol="0" anchor="ctr"/>
+            <a:lstStyle/>
+            <a:p>
+              <a:pPr algn="ctr"/>
+              <a:endParaRPr lang="en-US"/>
+            </a:p>
+          </p:txBody>
+        </p:sp>
+        <p:sp>
+          <p:nvSpPr>
+            <p:cNvPr id="30" name="Textfeld 29">
+              <a:extLst>
+                <a:ext uri="{FF2B5EF4-FFF2-40B4-BE49-F238E27FC236}">
+                  <a16:creationId xmlns:a16="http://schemas.microsoft.com/office/drawing/2014/main" id="{18437A3C-C4D2-F619-28DB-29F185C5C7EF}"/>
+                </a:ext>
+              </a:extLst>
+            </p:cNvPr>
+            <p:cNvSpPr txBox="1"/>
+            <p:nvPr/>
+          </p:nvSpPr>
+          <p:spPr>
+            <a:xfrm>
+              <a:off x="3258558" y="1129393"/>
+              <a:ext cx="929935" cy="276999"/>
+            </a:xfrm>
+            <a:prstGeom prst="rect">
+              <a:avLst/>
+            </a:prstGeom>
+            <a:noFill/>
+          </p:spPr>
+          <p:txBody>
+            <a:bodyPr wrap="square" rtlCol="0">
+              <a:spAutoFit/>
+            </a:bodyPr>
+            <a:lstStyle/>
+            <a:p>
+              <a:r>
+                <a:rPr lang="de-DE" sz="1200" dirty="0"/>
+                <a:t>MGMT </a:t>
+              </a:r>
+              <a:r>
+                <a:rPr lang="de-DE" sz="1200" dirty="0" err="1"/>
+                <a:t>core</a:t>
+              </a:r>
+              <a:endParaRPr lang="en-US" sz="1200" dirty="0"/>
+            </a:p>
+          </p:txBody>
+        </p:sp>
+        <p:sp>
+          <p:nvSpPr>
+            <p:cNvPr id="31" name="Gleichschenkliges Dreieck 30">
+              <a:extLst>
+                <a:ext uri="{FF2B5EF4-FFF2-40B4-BE49-F238E27FC236}">
+                  <a16:creationId xmlns:a16="http://schemas.microsoft.com/office/drawing/2014/main" id="{1F94D34F-23FD-8C13-368E-1B4A6B65C273}"/>
+                </a:ext>
+              </a:extLst>
+            </p:cNvPr>
+            <p:cNvSpPr/>
+            <p:nvPr/>
+          </p:nvSpPr>
+          <p:spPr>
+            <a:xfrm rot="5400000">
+              <a:off x="6708938" y="2044202"/>
+              <a:ext cx="359503" cy="240068"/>
+            </a:xfrm>
+            <a:prstGeom prst="triangle">
+              <a:avLst/>
+            </a:prstGeom>
+            <a:solidFill>
+              <a:srgbClr val="7030A0"/>
+            </a:solidFill>
+          </p:spPr>
+          <p:style>
+            <a:lnRef idx="2">
+              <a:schemeClr val="accent1">
+                <a:shade val="50000"/>
+              </a:schemeClr>
+            </a:lnRef>
+            <a:fillRef idx="1">
+              <a:schemeClr val="accent1"/>
+            </a:fillRef>
+            <a:effectRef idx="0">
+              <a:schemeClr val="accent1"/>
+            </a:effectRef>
+            <a:fontRef idx="minor">
+              <a:schemeClr val="lt1"/>
+            </a:fontRef>
+          </p:style>
+          <p:txBody>
+            <a:bodyPr rtlCol="0" anchor="ctr"/>
+            <a:lstStyle/>
+            <a:p>
+              <a:pPr algn="ctr"/>
+              <a:endParaRPr lang="en-US"/>
+            </a:p>
+          </p:txBody>
+        </p:sp>
+        <p:sp>
+          <p:nvSpPr>
+            <p:cNvPr id="73" name="Ellipse 72">
+              <a:extLst>
+                <a:ext uri="{FF2B5EF4-FFF2-40B4-BE49-F238E27FC236}">
+                  <a16:creationId xmlns:a16="http://schemas.microsoft.com/office/drawing/2014/main" id="{305E9A66-560B-CB61-7D3C-21A23619957D}"/>
+                </a:ext>
+              </a:extLst>
+            </p:cNvPr>
+            <p:cNvSpPr/>
+            <p:nvPr/>
+          </p:nvSpPr>
+          <p:spPr>
+            <a:xfrm>
+              <a:off x="7008724" y="2073396"/>
+              <a:ext cx="163498" cy="196659"/>
+            </a:xfrm>
+            <a:prstGeom prst="ellipse">
+              <a:avLst/>
+            </a:prstGeom>
+            <a:solidFill>
+              <a:srgbClr val="7030A0"/>
+            </a:solidFill>
+          </p:spPr>
+          <p:style>
+            <a:lnRef idx="2">
+              <a:schemeClr val="accent1">
+                <a:shade val="50000"/>
+              </a:schemeClr>
+            </a:lnRef>
+            <a:fillRef idx="1">
+              <a:schemeClr val="accent1"/>
+            </a:fillRef>
+            <a:effectRef idx="0">
+              <a:schemeClr val="accent1"/>
+            </a:effectRef>
+            <a:fontRef idx="minor">
+              <a:schemeClr val="lt1"/>
+            </a:fontRef>
+          </p:style>
+          <p:txBody>
+            <a:bodyPr rtlCol="0" anchor="ctr"/>
+            <a:lstStyle/>
+            <a:p>
+              <a:pPr algn="ctr"/>
+              <a:endParaRPr lang="en-US" dirty="0"/>
+            </a:p>
+          </p:txBody>
+        </p:sp>
+        <p:grpSp>
+          <p:nvGrpSpPr>
+            <p:cNvPr id="74" name="Gruppieren 73">
+              <a:extLst>
+                <a:ext uri="{FF2B5EF4-FFF2-40B4-BE49-F238E27FC236}">
+                  <a16:creationId xmlns:a16="http://schemas.microsoft.com/office/drawing/2014/main" id="{4BD24855-40F8-9283-2827-990EF204DAD6}"/>
+                </a:ext>
+              </a:extLst>
+            </p:cNvPr>
+            <p:cNvGrpSpPr/>
+            <p:nvPr/>
+          </p:nvGrpSpPr>
+          <p:grpSpPr>
+            <a:xfrm>
+              <a:off x="7587955" y="1685271"/>
+              <a:ext cx="386949" cy="649229"/>
+              <a:chOff x="3945234" y="1653862"/>
+              <a:chExt cx="386949" cy="649229"/>
+            </a:xfrm>
+          </p:grpSpPr>
+          <p:sp>
+            <p:nvSpPr>
+              <p:cNvPr id="75" name="Rechteck 74">
+                <a:extLst>
+                  <a:ext uri="{FF2B5EF4-FFF2-40B4-BE49-F238E27FC236}">
+                    <a16:creationId xmlns:a16="http://schemas.microsoft.com/office/drawing/2014/main" id="{D6CDCF81-0E40-9DFD-32C1-BECB0E50FE75}"/>
+                  </a:ext>
+                </a:extLst>
+              </p:cNvPr>
+              <p:cNvSpPr/>
+              <p:nvPr/>
+            </p:nvSpPr>
+            <p:spPr>
+              <a:xfrm>
+                <a:off x="3945234" y="1653862"/>
+                <a:ext cx="356681" cy="622570"/>
+              </a:xfrm>
+              <a:prstGeom prst="rect">
+                <a:avLst/>
+              </a:prstGeom>
+              <a:solidFill>
+                <a:srgbClr val="FFFF00"/>
+              </a:solidFill>
+              <a:ln>
+                <a:solidFill>
+                  <a:schemeClr val="tx1"/>
+                </a:solidFill>
+              </a:ln>
+            </p:spPr>
+            <p:style>
+              <a:lnRef idx="2">
+                <a:schemeClr val="accent1">
+                  <a:shade val="50000"/>
+                </a:schemeClr>
+              </a:lnRef>
+              <a:fillRef idx="1">
+                <a:schemeClr val="accent1"/>
+              </a:fillRef>
+              <a:effectRef idx="0">
+                <a:schemeClr val="accent1"/>
+              </a:effectRef>
+              <a:fontRef idx="minor">
+                <a:schemeClr val="lt1"/>
+              </a:fontRef>
+            </p:style>
+            <p:txBody>
+              <a:bodyPr rtlCol="0" anchor="ctr"/>
+              <a:lstStyle/>
+              <a:p>
+                <a:pPr algn="ctr"/>
+                <a:endParaRPr lang="en-US" dirty="0"/>
+              </a:p>
+            </p:txBody>
+          </p:sp>
+          <p:cxnSp>
+            <p:nvCxnSpPr>
+              <p:cNvPr id="76" name="Gerader Verbinder 75">
+                <a:extLst>
+                  <a:ext uri="{FF2B5EF4-FFF2-40B4-BE49-F238E27FC236}">
+                    <a16:creationId xmlns:a16="http://schemas.microsoft.com/office/drawing/2014/main" id="{E07123D8-1DFE-954B-9D41-98C9D332B7A2}"/>
+                  </a:ext>
+                </a:extLst>
+              </p:cNvPr>
+              <p:cNvCxnSpPr/>
+              <p:nvPr/>
+            </p:nvCxnSpPr>
+            <p:spPr>
+              <a:xfrm flipV="1">
+                <a:off x="3945234" y="2152609"/>
+                <a:ext cx="165825" cy="123823"/>
+              </a:xfrm>
+              <a:prstGeom prst="line">
+                <a:avLst/>
+              </a:prstGeom>
+              <a:ln>
+                <a:solidFill>
+                  <a:schemeClr val="tx1"/>
+                </a:solidFill>
+              </a:ln>
+            </p:spPr>
+            <p:style>
+              <a:lnRef idx="1">
+                <a:schemeClr val="accent1"/>
+              </a:lnRef>
+              <a:fillRef idx="0">
+                <a:schemeClr val="accent1"/>
+              </a:fillRef>
+              <a:effectRef idx="0">
+                <a:schemeClr val="accent1"/>
+              </a:effectRef>
+              <a:fontRef idx="minor">
+                <a:schemeClr val="tx1"/>
+              </a:fontRef>
+            </p:style>
+          </p:cxnSp>
+          <p:cxnSp>
+            <p:nvCxnSpPr>
+              <p:cNvPr id="77" name="Gerader Verbinder 76">
+                <a:extLst>
+                  <a:ext uri="{FF2B5EF4-FFF2-40B4-BE49-F238E27FC236}">
+                    <a16:creationId xmlns:a16="http://schemas.microsoft.com/office/drawing/2014/main" id="{82838AA6-49BF-5695-32C8-766BD129C94A}"/>
+                  </a:ext>
+                </a:extLst>
+              </p:cNvPr>
+              <p:cNvCxnSpPr>
+                <a:cxnSpLocks/>
+              </p:cNvCxnSpPr>
+              <p:nvPr/>
+            </p:nvCxnSpPr>
+            <p:spPr>
+              <a:xfrm>
+                <a:off x="3945234" y="2084242"/>
+                <a:ext cx="152400" cy="68367"/>
+              </a:xfrm>
+              <a:prstGeom prst="line">
+                <a:avLst/>
+              </a:prstGeom>
+              <a:ln>
+                <a:solidFill>
+                  <a:schemeClr val="tx1"/>
+                </a:solidFill>
+              </a:ln>
+            </p:spPr>
+            <p:style>
+              <a:lnRef idx="1">
+                <a:schemeClr val="accent1"/>
+              </a:lnRef>
+              <a:fillRef idx="0">
+                <a:schemeClr val="accent1"/>
+              </a:fillRef>
+              <a:effectRef idx="0">
+                <a:schemeClr val="accent1"/>
+              </a:effectRef>
+              <a:fontRef idx="minor">
+                <a:schemeClr val="tx1"/>
+              </a:fontRef>
+            </p:style>
+          </p:cxnSp>
+          <p:sp>
+            <p:nvSpPr>
+              <p:cNvPr id="78" name="Textfeld 77">
+                <a:extLst>
+                  <a:ext uri="{FF2B5EF4-FFF2-40B4-BE49-F238E27FC236}">
+                    <a16:creationId xmlns:a16="http://schemas.microsoft.com/office/drawing/2014/main" id="{C2D07A73-DEB1-647F-ADC9-32D4F987C407}"/>
+                  </a:ext>
+                </a:extLst>
+              </p:cNvPr>
+              <p:cNvSpPr txBox="1"/>
+              <p:nvPr/>
+            </p:nvSpPr>
+            <p:spPr>
+              <a:xfrm>
+                <a:off x="4067367" y="1933759"/>
+                <a:ext cx="264816" cy="369332"/>
+              </a:xfrm>
+              <a:prstGeom prst="rect">
+                <a:avLst/>
+              </a:prstGeom>
+              <a:noFill/>
+            </p:spPr>
+            <p:txBody>
+              <a:bodyPr wrap="none" rtlCol="0">
+                <a:spAutoFit/>
+              </a:bodyPr>
+              <a:lstStyle/>
+              <a:p>
+                <a:r>
+                  <a:rPr lang="de-DE" dirty="0"/>
+                  <a:t>r</a:t>
+                </a:r>
+                <a:endParaRPr lang="en-US" dirty="0"/>
+              </a:p>
+            </p:txBody>
+          </p:sp>
+        </p:grpSp>
+      </p:grpSp>
+    </p:spTree>
+    <p:extLst>
+      <p:ext uri="{BB962C8B-B14F-4D97-AF65-F5344CB8AC3E}">
+        <p14:creationId xmlns:p14="http://schemas.microsoft.com/office/powerpoint/2010/main" val="471459170"/>
+      </p:ext>
+    </p:extLst>
+  </p:cSld>
+  <p:clrMapOvr>
+    <a:masterClrMapping/>
+  </p:clrMapOvr>
+</p:sld>
+</file>
+
 <file path=ppt/theme/theme1.xml><?xml version="1.0" encoding="utf-8"?>
 <a:theme xmlns:a="http://schemas.openxmlformats.org/drawingml/2006/main" name="Office">
   <a:themeElements>
